--- a/ML_Algorithm_Review/Ensemble_Learning_Review.pptx
+++ b/ML_Algorithm_Review/Ensemble_Learning_Review.pptx
@@ -5,7 +5,7 @@
     <p:sldMasterId id="2147483648" r:id="rId1"/>
   </p:sldMasterIdLst>
   <p:notesMasterIdLst>
-    <p:notesMasterId r:id="rId13"/>
+    <p:notesMasterId r:id="rId20"/>
   </p:notesMasterIdLst>
   <p:sldIdLst>
     <p:sldId id="257" r:id="rId2"/>
@@ -18,7 +18,14 @@
     <p:sldId id="332" r:id="rId9"/>
     <p:sldId id="333" r:id="rId10"/>
     <p:sldId id="334" r:id="rId11"/>
-    <p:sldId id="259" r:id="rId12"/>
+    <p:sldId id="335" r:id="rId12"/>
+    <p:sldId id="336" r:id="rId13"/>
+    <p:sldId id="337" r:id="rId14"/>
+    <p:sldId id="338" r:id="rId15"/>
+    <p:sldId id="339" r:id="rId16"/>
+    <p:sldId id="340" r:id="rId17"/>
+    <p:sldId id="341" r:id="rId18"/>
+    <p:sldId id="259" r:id="rId19"/>
   </p:sldIdLst>
   <p:sldSz cx="9144000" cy="6858000" type="screen4x3"/>
   <p:notesSz cx="6858000" cy="9144000"/>
@@ -118,6 +125,32 @@
     </a:lvl9pPr>
   </p:defaultTextStyle>
   <p:extLst>
+    <p:ext uri="{521415D9-36F7-43E2-AB2F-B90AF26B5E84}">
+      <p14:sectionLst xmlns:p14="http://schemas.microsoft.com/office/powerpoint/2010/main">
+        <p14:section name="기본 구역" id="{3815AE45-6148-40C5-9B6F-F37262FC082C}">
+          <p14:sldIdLst>
+            <p14:sldId id="257"/>
+            <p14:sldId id="260"/>
+            <p14:sldId id="287"/>
+            <p14:sldId id="328"/>
+            <p14:sldId id="329"/>
+            <p14:sldId id="330"/>
+            <p14:sldId id="331"/>
+            <p14:sldId id="332"/>
+            <p14:sldId id="333"/>
+            <p14:sldId id="334"/>
+            <p14:sldId id="335"/>
+            <p14:sldId id="336"/>
+            <p14:sldId id="337"/>
+            <p14:sldId id="338"/>
+            <p14:sldId id="339"/>
+            <p14:sldId id="340"/>
+            <p14:sldId id="341"/>
+            <p14:sldId id="259"/>
+          </p14:sldIdLst>
+        </p14:section>
+      </p14:sectionLst>
+    </p:ext>
     <p:ext uri="{EFAFB233-063F-42B5-8137-9DF3F51BA10A}">
       <p15:sldGuideLst xmlns:p15="http://schemas.microsoft.com/office/powerpoint/2012/main">
         <p15:guide id="1" orient="horz" pos="2160">
@@ -231,7 +264,7 @@
             <a:fld id="{65771C21-3757-4199-83DE-22960358A2A5}" type="datetimeFigureOut">
               <a:rPr lang="ko-KR" altLang="en-US" smtClean="0"/>
               <a:pPr/>
-              <a:t>2021-02-11</a:t>
+              <a:t>2021-02-12</a:t>
             </a:fld>
             <a:endParaRPr lang="ko-KR" altLang="en-US"/>
           </a:p>
@@ -762,13 +795,6 @@
               <a:tabLst/>
               <a:defRPr/>
             </a:pPr>
-            <a:r>
-              <a:rPr lang="en-US" altLang="ko-KR" sz="1200" dirty="0"/>
-              <a:t>http://minheeblog.tistory.com/category/PPT</a:t>
-            </a:r>
-            <a:endParaRPr lang="ko-KR" altLang="en-US" sz="1200" dirty="0"/>
-          </a:p>
-          <a:p>
             <a:endParaRPr lang="ko-KR" altLang="en-US" dirty="0"/>
           </a:p>
         </p:txBody>
@@ -792,6 +818,741 @@
               <a:rPr lang="ko-KR" altLang="en-US" smtClean="0"/>
               <a:pPr/>
               <a:t>11</a:t>
+            </a:fld>
+            <a:endParaRPr lang="ko-KR" altLang="en-US"/>
+          </a:p>
+        </p:txBody>
+      </p:sp>
+    </p:spTree>
+    <p:extLst>
+      <p:ext uri="{BB962C8B-B14F-4D97-AF65-F5344CB8AC3E}">
+        <p14:creationId xmlns:p14="http://schemas.microsoft.com/office/powerpoint/2010/main" val="3810492570"/>
+      </p:ext>
+    </p:extLst>
+  </p:cSld>
+  <p:clrMapOvr>
+    <a:masterClrMapping/>
+  </p:clrMapOvr>
+</p:notes>
+</file>
+
+<file path=ppt/notesSlides/notesSlide12.xml><?xml version="1.0" encoding="utf-8"?>
+<p:notes xmlns:a="http://schemas.openxmlformats.org/drawingml/2006/main" xmlns:r="http://schemas.openxmlformats.org/officeDocument/2006/relationships" xmlns:p="http://schemas.openxmlformats.org/presentationml/2006/main">
+  <p:cSld>
+    <p:spTree>
+      <p:nvGrpSpPr>
+        <p:cNvPr id="1" name=""/>
+        <p:cNvGrpSpPr/>
+        <p:nvPr/>
+      </p:nvGrpSpPr>
+      <p:grpSpPr>
+        <a:xfrm>
+          <a:off x="0" y="0"/>
+          <a:ext cx="0" cy="0"/>
+          <a:chOff x="0" y="0"/>
+          <a:chExt cx="0" cy="0"/>
+        </a:xfrm>
+      </p:grpSpPr>
+      <p:sp>
+        <p:nvSpPr>
+          <p:cNvPr id="2" name="슬라이드 이미지 개체 틀 1"/>
+          <p:cNvSpPr>
+            <a:spLocks noGrp="1" noRot="1" noChangeAspect="1"/>
+          </p:cNvSpPr>
+          <p:nvPr>
+            <p:ph type="sldImg"/>
+          </p:nvPr>
+        </p:nvSpPr>
+        <p:spPr/>
+      </p:sp>
+      <p:sp>
+        <p:nvSpPr>
+          <p:cNvPr id="3" name="슬라이드 노트 개체 틀 2"/>
+          <p:cNvSpPr>
+            <a:spLocks noGrp="1"/>
+          </p:cNvSpPr>
+          <p:nvPr>
+            <p:ph type="body" idx="1"/>
+          </p:nvPr>
+        </p:nvSpPr>
+        <p:spPr/>
+        <p:txBody>
+          <a:bodyPr>
+            <a:normAutofit/>
+          </a:bodyPr>
+          <a:lstStyle/>
+          <a:p>
+            <a:pPr marL="0" marR="0" indent="0" algn="l" defTabSz="914400" rtl="0" eaLnBrk="1" fontAlgn="auto" latinLnBrk="1" hangingPunct="1">
+              <a:lnSpc>
+                <a:spcPct val="100000"/>
+              </a:lnSpc>
+              <a:spcBef>
+                <a:spcPts val="0"/>
+              </a:spcBef>
+              <a:spcAft>
+                <a:spcPts val="0"/>
+              </a:spcAft>
+              <a:buClrTx/>
+              <a:buSzTx/>
+              <a:buFontTx/>
+              <a:buNone/>
+              <a:tabLst/>
+              <a:defRPr/>
+            </a:pPr>
+            <a:endParaRPr lang="ko-KR" altLang="en-US" dirty="0"/>
+          </a:p>
+        </p:txBody>
+      </p:sp>
+      <p:sp>
+        <p:nvSpPr>
+          <p:cNvPr id="4" name="슬라이드 번호 개체 틀 3"/>
+          <p:cNvSpPr>
+            <a:spLocks noGrp="1"/>
+          </p:cNvSpPr>
+          <p:nvPr>
+            <p:ph type="sldNum" sz="quarter" idx="10"/>
+          </p:nvPr>
+        </p:nvSpPr>
+        <p:spPr/>
+        <p:txBody>
+          <a:bodyPr/>
+          <a:lstStyle/>
+          <a:p>
+            <a:fld id="{04A4E647-5A0F-41E6-A0EF-B58D8C1C6CD4}" type="slidenum">
+              <a:rPr lang="ko-KR" altLang="en-US" smtClean="0"/>
+              <a:pPr/>
+              <a:t>12</a:t>
+            </a:fld>
+            <a:endParaRPr lang="ko-KR" altLang="en-US"/>
+          </a:p>
+        </p:txBody>
+      </p:sp>
+    </p:spTree>
+    <p:extLst>
+      <p:ext uri="{BB962C8B-B14F-4D97-AF65-F5344CB8AC3E}">
+        <p14:creationId xmlns:p14="http://schemas.microsoft.com/office/powerpoint/2010/main" val="4135346521"/>
+      </p:ext>
+    </p:extLst>
+  </p:cSld>
+  <p:clrMapOvr>
+    <a:masterClrMapping/>
+  </p:clrMapOvr>
+</p:notes>
+</file>
+
+<file path=ppt/notesSlides/notesSlide13.xml><?xml version="1.0" encoding="utf-8"?>
+<p:notes xmlns:a="http://schemas.openxmlformats.org/drawingml/2006/main" xmlns:r="http://schemas.openxmlformats.org/officeDocument/2006/relationships" xmlns:p="http://schemas.openxmlformats.org/presentationml/2006/main">
+  <p:cSld>
+    <p:spTree>
+      <p:nvGrpSpPr>
+        <p:cNvPr id="1" name=""/>
+        <p:cNvGrpSpPr/>
+        <p:nvPr/>
+      </p:nvGrpSpPr>
+      <p:grpSpPr>
+        <a:xfrm>
+          <a:off x="0" y="0"/>
+          <a:ext cx="0" cy="0"/>
+          <a:chOff x="0" y="0"/>
+          <a:chExt cx="0" cy="0"/>
+        </a:xfrm>
+      </p:grpSpPr>
+      <p:sp>
+        <p:nvSpPr>
+          <p:cNvPr id="2" name="슬라이드 이미지 개체 틀 1"/>
+          <p:cNvSpPr>
+            <a:spLocks noGrp="1" noRot="1" noChangeAspect="1"/>
+          </p:cNvSpPr>
+          <p:nvPr>
+            <p:ph type="sldImg"/>
+          </p:nvPr>
+        </p:nvSpPr>
+        <p:spPr/>
+      </p:sp>
+      <p:sp>
+        <p:nvSpPr>
+          <p:cNvPr id="3" name="슬라이드 노트 개체 틀 2"/>
+          <p:cNvSpPr>
+            <a:spLocks noGrp="1"/>
+          </p:cNvSpPr>
+          <p:nvPr>
+            <p:ph type="body" idx="1"/>
+          </p:nvPr>
+        </p:nvSpPr>
+        <p:spPr/>
+        <p:txBody>
+          <a:bodyPr>
+            <a:normAutofit/>
+          </a:bodyPr>
+          <a:lstStyle/>
+          <a:p>
+            <a:pPr marL="0" marR="0" indent="0" algn="l" defTabSz="914400" rtl="0" eaLnBrk="1" fontAlgn="auto" latinLnBrk="1" hangingPunct="1">
+              <a:lnSpc>
+                <a:spcPct val="100000"/>
+              </a:lnSpc>
+              <a:spcBef>
+                <a:spcPts val="0"/>
+              </a:spcBef>
+              <a:spcAft>
+                <a:spcPts val="0"/>
+              </a:spcAft>
+              <a:buClrTx/>
+              <a:buSzTx/>
+              <a:buFontTx/>
+              <a:buNone/>
+              <a:tabLst/>
+              <a:defRPr/>
+            </a:pPr>
+            <a:endParaRPr lang="ko-KR" altLang="en-US" dirty="0"/>
+          </a:p>
+        </p:txBody>
+      </p:sp>
+      <p:sp>
+        <p:nvSpPr>
+          <p:cNvPr id="4" name="슬라이드 번호 개체 틀 3"/>
+          <p:cNvSpPr>
+            <a:spLocks noGrp="1"/>
+          </p:cNvSpPr>
+          <p:nvPr>
+            <p:ph type="sldNum" sz="quarter" idx="10"/>
+          </p:nvPr>
+        </p:nvSpPr>
+        <p:spPr/>
+        <p:txBody>
+          <a:bodyPr/>
+          <a:lstStyle/>
+          <a:p>
+            <a:fld id="{04A4E647-5A0F-41E6-A0EF-B58D8C1C6CD4}" type="slidenum">
+              <a:rPr lang="ko-KR" altLang="en-US" smtClean="0"/>
+              <a:pPr/>
+              <a:t>13</a:t>
+            </a:fld>
+            <a:endParaRPr lang="ko-KR" altLang="en-US"/>
+          </a:p>
+        </p:txBody>
+      </p:sp>
+    </p:spTree>
+    <p:extLst>
+      <p:ext uri="{BB962C8B-B14F-4D97-AF65-F5344CB8AC3E}">
+        <p14:creationId xmlns:p14="http://schemas.microsoft.com/office/powerpoint/2010/main" val="2740555961"/>
+      </p:ext>
+    </p:extLst>
+  </p:cSld>
+  <p:clrMapOvr>
+    <a:masterClrMapping/>
+  </p:clrMapOvr>
+</p:notes>
+</file>
+
+<file path=ppt/notesSlides/notesSlide14.xml><?xml version="1.0" encoding="utf-8"?>
+<p:notes xmlns:a="http://schemas.openxmlformats.org/drawingml/2006/main" xmlns:r="http://schemas.openxmlformats.org/officeDocument/2006/relationships" xmlns:p="http://schemas.openxmlformats.org/presentationml/2006/main">
+  <p:cSld>
+    <p:spTree>
+      <p:nvGrpSpPr>
+        <p:cNvPr id="1" name=""/>
+        <p:cNvGrpSpPr/>
+        <p:nvPr/>
+      </p:nvGrpSpPr>
+      <p:grpSpPr>
+        <a:xfrm>
+          <a:off x="0" y="0"/>
+          <a:ext cx="0" cy="0"/>
+          <a:chOff x="0" y="0"/>
+          <a:chExt cx="0" cy="0"/>
+        </a:xfrm>
+      </p:grpSpPr>
+      <p:sp>
+        <p:nvSpPr>
+          <p:cNvPr id="2" name="슬라이드 이미지 개체 틀 1"/>
+          <p:cNvSpPr>
+            <a:spLocks noGrp="1" noRot="1" noChangeAspect="1"/>
+          </p:cNvSpPr>
+          <p:nvPr>
+            <p:ph type="sldImg"/>
+          </p:nvPr>
+        </p:nvSpPr>
+        <p:spPr/>
+      </p:sp>
+      <p:sp>
+        <p:nvSpPr>
+          <p:cNvPr id="3" name="슬라이드 노트 개체 틀 2"/>
+          <p:cNvSpPr>
+            <a:spLocks noGrp="1"/>
+          </p:cNvSpPr>
+          <p:nvPr>
+            <p:ph type="body" idx="1"/>
+          </p:nvPr>
+        </p:nvSpPr>
+        <p:spPr/>
+        <p:txBody>
+          <a:bodyPr>
+            <a:normAutofit/>
+          </a:bodyPr>
+          <a:lstStyle/>
+          <a:p>
+            <a:pPr marL="0" marR="0" indent="0" algn="l" defTabSz="914400" rtl="0" eaLnBrk="1" fontAlgn="auto" latinLnBrk="1" hangingPunct="1">
+              <a:lnSpc>
+                <a:spcPct val="100000"/>
+              </a:lnSpc>
+              <a:spcBef>
+                <a:spcPts val="0"/>
+              </a:spcBef>
+              <a:spcAft>
+                <a:spcPts val="0"/>
+              </a:spcAft>
+              <a:buClrTx/>
+              <a:buSzTx/>
+              <a:buFontTx/>
+              <a:buNone/>
+              <a:tabLst/>
+              <a:defRPr/>
+            </a:pPr>
+            <a:endParaRPr lang="ko-KR" altLang="en-US" dirty="0"/>
+          </a:p>
+        </p:txBody>
+      </p:sp>
+      <p:sp>
+        <p:nvSpPr>
+          <p:cNvPr id="4" name="슬라이드 번호 개체 틀 3"/>
+          <p:cNvSpPr>
+            <a:spLocks noGrp="1"/>
+          </p:cNvSpPr>
+          <p:nvPr>
+            <p:ph type="sldNum" sz="quarter" idx="10"/>
+          </p:nvPr>
+        </p:nvSpPr>
+        <p:spPr/>
+        <p:txBody>
+          <a:bodyPr/>
+          <a:lstStyle/>
+          <a:p>
+            <a:fld id="{04A4E647-5A0F-41E6-A0EF-B58D8C1C6CD4}" type="slidenum">
+              <a:rPr lang="ko-KR" altLang="en-US" smtClean="0"/>
+              <a:pPr/>
+              <a:t>14</a:t>
+            </a:fld>
+            <a:endParaRPr lang="ko-KR" altLang="en-US"/>
+          </a:p>
+        </p:txBody>
+      </p:sp>
+    </p:spTree>
+    <p:extLst>
+      <p:ext uri="{BB962C8B-B14F-4D97-AF65-F5344CB8AC3E}">
+        <p14:creationId xmlns:p14="http://schemas.microsoft.com/office/powerpoint/2010/main" val="2494943892"/>
+      </p:ext>
+    </p:extLst>
+  </p:cSld>
+  <p:clrMapOvr>
+    <a:masterClrMapping/>
+  </p:clrMapOvr>
+</p:notes>
+</file>
+
+<file path=ppt/notesSlides/notesSlide15.xml><?xml version="1.0" encoding="utf-8"?>
+<p:notes xmlns:a="http://schemas.openxmlformats.org/drawingml/2006/main" xmlns:r="http://schemas.openxmlformats.org/officeDocument/2006/relationships" xmlns:p="http://schemas.openxmlformats.org/presentationml/2006/main">
+  <p:cSld>
+    <p:spTree>
+      <p:nvGrpSpPr>
+        <p:cNvPr id="1" name=""/>
+        <p:cNvGrpSpPr/>
+        <p:nvPr/>
+      </p:nvGrpSpPr>
+      <p:grpSpPr>
+        <a:xfrm>
+          <a:off x="0" y="0"/>
+          <a:ext cx="0" cy="0"/>
+          <a:chOff x="0" y="0"/>
+          <a:chExt cx="0" cy="0"/>
+        </a:xfrm>
+      </p:grpSpPr>
+      <p:sp>
+        <p:nvSpPr>
+          <p:cNvPr id="2" name="슬라이드 이미지 개체 틀 1"/>
+          <p:cNvSpPr>
+            <a:spLocks noGrp="1" noRot="1" noChangeAspect="1"/>
+          </p:cNvSpPr>
+          <p:nvPr>
+            <p:ph type="sldImg"/>
+          </p:nvPr>
+        </p:nvSpPr>
+        <p:spPr/>
+      </p:sp>
+      <p:sp>
+        <p:nvSpPr>
+          <p:cNvPr id="3" name="슬라이드 노트 개체 틀 2"/>
+          <p:cNvSpPr>
+            <a:spLocks noGrp="1"/>
+          </p:cNvSpPr>
+          <p:nvPr>
+            <p:ph type="body" idx="1"/>
+          </p:nvPr>
+        </p:nvSpPr>
+        <p:spPr/>
+        <p:txBody>
+          <a:bodyPr>
+            <a:normAutofit/>
+          </a:bodyPr>
+          <a:lstStyle/>
+          <a:p>
+            <a:pPr marL="0" marR="0" indent="0" algn="l" defTabSz="914400" rtl="0" eaLnBrk="1" fontAlgn="auto" latinLnBrk="1" hangingPunct="1">
+              <a:lnSpc>
+                <a:spcPct val="100000"/>
+              </a:lnSpc>
+              <a:spcBef>
+                <a:spcPts val="0"/>
+              </a:spcBef>
+              <a:spcAft>
+                <a:spcPts val="0"/>
+              </a:spcAft>
+              <a:buClrTx/>
+              <a:buSzTx/>
+              <a:buFontTx/>
+              <a:buNone/>
+              <a:tabLst/>
+              <a:defRPr/>
+            </a:pPr>
+            <a:endParaRPr lang="ko-KR" altLang="en-US" dirty="0"/>
+          </a:p>
+        </p:txBody>
+      </p:sp>
+      <p:sp>
+        <p:nvSpPr>
+          <p:cNvPr id="4" name="슬라이드 번호 개체 틀 3"/>
+          <p:cNvSpPr>
+            <a:spLocks noGrp="1"/>
+          </p:cNvSpPr>
+          <p:nvPr>
+            <p:ph type="sldNum" sz="quarter" idx="10"/>
+          </p:nvPr>
+        </p:nvSpPr>
+        <p:spPr/>
+        <p:txBody>
+          <a:bodyPr/>
+          <a:lstStyle/>
+          <a:p>
+            <a:fld id="{04A4E647-5A0F-41E6-A0EF-B58D8C1C6CD4}" type="slidenum">
+              <a:rPr lang="ko-KR" altLang="en-US" smtClean="0"/>
+              <a:pPr/>
+              <a:t>15</a:t>
+            </a:fld>
+            <a:endParaRPr lang="ko-KR" altLang="en-US"/>
+          </a:p>
+        </p:txBody>
+      </p:sp>
+    </p:spTree>
+    <p:extLst>
+      <p:ext uri="{BB962C8B-B14F-4D97-AF65-F5344CB8AC3E}">
+        <p14:creationId xmlns:p14="http://schemas.microsoft.com/office/powerpoint/2010/main" val="3283776336"/>
+      </p:ext>
+    </p:extLst>
+  </p:cSld>
+  <p:clrMapOvr>
+    <a:masterClrMapping/>
+  </p:clrMapOvr>
+</p:notes>
+</file>
+
+<file path=ppt/notesSlides/notesSlide16.xml><?xml version="1.0" encoding="utf-8"?>
+<p:notes xmlns:a="http://schemas.openxmlformats.org/drawingml/2006/main" xmlns:r="http://schemas.openxmlformats.org/officeDocument/2006/relationships" xmlns:p="http://schemas.openxmlformats.org/presentationml/2006/main">
+  <p:cSld>
+    <p:spTree>
+      <p:nvGrpSpPr>
+        <p:cNvPr id="1" name=""/>
+        <p:cNvGrpSpPr/>
+        <p:nvPr/>
+      </p:nvGrpSpPr>
+      <p:grpSpPr>
+        <a:xfrm>
+          <a:off x="0" y="0"/>
+          <a:ext cx="0" cy="0"/>
+          <a:chOff x="0" y="0"/>
+          <a:chExt cx="0" cy="0"/>
+        </a:xfrm>
+      </p:grpSpPr>
+      <p:sp>
+        <p:nvSpPr>
+          <p:cNvPr id="2" name="슬라이드 이미지 개체 틀 1"/>
+          <p:cNvSpPr>
+            <a:spLocks noGrp="1" noRot="1" noChangeAspect="1"/>
+          </p:cNvSpPr>
+          <p:nvPr>
+            <p:ph type="sldImg"/>
+          </p:nvPr>
+        </p:nvSpPr>
+        <p:spPr/>
+      </p:sp>
+      <p:sp>
+        <p:nvSpPr>
+          <p:cNvPr id="3" name="슬라이드 노트 개체 틀 2"/>
+          <p:cNvSpPr>
+            <a:spLocks noGrp="1"/>
+          </p:cNvSpPr>
+          <p:nvPr>
+            <p:ph type="body" idx="1"/>
+          </p:nvPr>
+        </p:nvSpPr>
+        <p:spPr/>
+        <p:txBody>
+          <a:bodyPr>
+            <a:normAutofit/>
+          </a:bodyPr>
+          <a:lstStyle/>
+          <a:p>
+            <a:pPr marL="0" marR="0" indent="0" algn="l" defTabSz="914400" rtl="0" eaLnBrk="1" fontAlgn="auto" latinLnBrk="1" hangingPunct="1">
+              <a:lnSpc>
+                <a:spcPct val="100000"/>
+              </a:lnSpc>
+              <a:spcBef>
+                <a:spcPts val="0"/>
+              </a:spcBef>
+              <a:spcAft>
+                <a:spcPts val="0"/>
+              </a:spcAft>
+              <a:buClrTx/>
+              <a:buSzTx/>
+              <a:buFontTx/>
+              <a:buNone/>
+              <a:tabLst/>
+              <a:defRPr/>
+            </a:pPr>
+            <a:endParaRPr lang="ko-KR" altLang="en-US" dirty="0"/>
+          </a:p>
+        </p:txBody>
+      </p:sp>
+      <p:sp>
+        <p:nvSpPr>
+          <p:cNvPr id="4" name="슬라이드 번호 개체 틀 3"/>
+          <p:cNvSpPr>
+            <a:spLocks noGrp="1"/>
+          </p:cNvSpPr>
+          <p:nvPr>
+            <p:ph type="sldNum" sz="quarter" idx="10"/>
+          </p:nvPr>
+        </p:nvSpPr>
+        <p:spPr/>
+        <p:txBody>
+          <a:bodyPr/>
+          <a:lstStyle/>
+          <a:p>
+            <a:fld id="{04A4E647-5A0F-41E6-A0EF-B58D8C1C6CD4}" type="slidenum">
+              <a:rPr lang="ko-KR" altLang="en-US" smtClean="0"/>
+              <a:pPr/>
+              <a:t>16</a:t>
+            </a:fld>
+            <a:endParaRPr lang="ko-KR" altLang="en-US"/>
+          </a:p>
+        </p:txBody>
+      </p:sp>
+    </p:spTree>
+    <p:extLst>
+      <p:ext uri="{BB962C8B-B14F-4D97-AF65-F5344CB8AC3E}">
+        <p14:creationId xmlns:p14="http://schemas.microsoft.com/office/powerpoint/2010/main" val="726970091"/>
+      </p:ext>
+    </p:extLst>
+  </p:cSld>
+  <p:clrMapOvr>
+    <a:masterClrMapping/>
+  </p:clrMapOvr>
+</p:notes>
+</file>
+
+<file path=ppt/notesSlides/notesSlide17.xml><?xml version="1.0" encoding="utf-8"?>
+<p:notes xmlns:a="http://schemas.openxmlformats.org/drawingml/2006/main" xmlns:r="http://schemas.openxmlformats.org/officeDocument/2006/relationships" xmlns:p="http://schemas.openxmlformats.org/presentationml/2006/main">
+  <p:cSld>
+    <p:spTree>
+      <p:nvGrpSpPr>
+        <p:cNvPr id="1" name=""/>
+        <p:cNvGrpSpPr/>
+        <p:nvPr/>
+      </p:nvGrpSpPr>
+      <p:grpSpPr>
+        <a:xfrm>
+          <a:off x="0" y="0"/>
+          <a:ext cx="0" cy="0"/>
+          <a:chOff x="0" y="0"/>
+          <a:chExt cx="0" cy="0"/>
+        </a:xfrm>
+      </p:grpSpPr>
+      <p:sp>
+        <p:nvSpPr>
+          <p:cNvPr id="2" name="슬라이드 이미지 개체 틀 1"/>
+          <p:cNvSpPr>
+            <a:spLocks noGrp="1" noRot="1" noChangeAspect="1"/>
+          </p:cNvSpPr>
+          <p:nvPr>
+            <p:ph type="sldImg"/>
+          </p:nvPr>
+        </p:nvSpPr>
+        <p:spPr/>
+      </p:sp>
+      <p:sp>
+        <p:nvSpPr>
+          <p:cNvPr id="3" name="슬라이드 노트 개체 틀 2"/>
+          <p:cNvSpPr>
+            <a:spLocks noGrp="1"/>
+          </p:cNvSpPr>
+          <p:nvPr>
+            <p:ph type="body" idx="1"/>
+          </p:nvPr>
+        </p:nvSpPr>
+        <p:spPr/>
+        <p:txBody>
+          <a:bodyPr>
+            <a:normAutofit/>
+          </a:bodyPr>
+          <a:lstStyle/>
+          <a:p>
+            <a:pPr marL="0" marR="0" indent="0" algn="l" defTabSz="914400" rtl="0" eaLnBrk="1" fontAlgn="auto" latinLnBrk="1" hangingPunct="1">
+              <a:lnSpc>
+                <a:spcPct val="100000"/>
+              </a:lnSpc>
+              <a:spcBef>
+                <a:spcPts val="0"/>
+              </a:spcBef>
+              <a:spcAft>
+                <a:spcPts val="0"/>
+              </a:spcAft>
+              <a:buClrTx/>
+              <a:buSzTx/>
+              <a:buFontTx/>
+              <a:buNone/>
+              <a:tabLst/>
+              <a:defRPr/>
+            </a:pPr>
+            <a:endParaRPr lang="ko-KR" altLang="en-US" dirty="0"/>
+          </a:p>
+        </p:txBody>
+      </p:sp>
+      <p:sp>
+        <p:nvSpPr>
+          <p:cNvPr id="4" name="슬라이드 번호 개체 틀 3"/>
+          <p:cNvSpPr>
+            <a:spLocks noGrp="1"/>
+          </p:cNvSpPr>
+          <p:nvPr>
+            <p:ph type="sldNum" sz="quarter" idx="10"/>
+          </p:nvPr>
+        </p:nvSpPr>
+        <p:spPr/>
+        <p:txBody>
+          <a:bodyPr/>
+          <a:lstStyle/>
+          <a:p>
+            <a:fld id="{04A4E647-5A0F-41E6-A0EF-B58D8C1C6CD4}" type="slidenum">
+              <a:rPr lang="ko-KR" altLang="en-US" smtClean="0"/>
+              <a:pPr/>
+              <a:t>17</a:t>
+            </a:fld>
+            <a:endParaRPr lang="ko-KR" altLang="en-US"/>
+          </a:p>
+        </p:txBody>
+      </p:sp>
+    </p:spTree>
+    <p:extLst>
+      <p:ext uri="{BB962C8B-B14F-4D97-AF65-F5344CB8AC3E}">
+        <p14:creationId xmlns:p14="http://schemas.microsoft.com/office/powerpoint/2010/main" val="3505566978"/>
+      </p:ext>
+    </p:extLst>
+  </p:cSld>
+  <p:clrMapOvr>
+    <a:masterClrMapping/>
+  </p:clrMapOvr>
+</p:notes>
+</file>
+
+<file path=ppt/notesSlides/notesSlide18.xml><?xml version="1.0" encoding="utf-8"?>
+<p:notes xmlns:a="http://schemas.openxmlformats.org/drawingml/2006/main" xmlns:r="http://schemas.openxmlformats.org/officeDocument/2006/relationships" xmlns:p="http://schemas.openxmlformats.org/presentationml/2006/main">
+  <p:cSld>
+    <p:spTree>
+      <p:nvGrpSpPr>
+        <p:cNvPr id="1" name=""/>
+        <p:cNvGrpSpPr/>
+        <p:nvPr/>
+      </p:nvGrpSpPr>
+      <p:grpSpPr>
+        <a:xfrm>
+          <a:off x="0" y="0"/>
+          <a:ext cx="0" cy="0"/>
+          <a:chOff x="0" y="0"/>
+          <a:chExt cx="0" cy="0"/>
+        </a:xfrm>
+      </p:grpSpPr>
+      <p:sp>
+        <p:nvSpPr>
+          <p:cNvPr id="2" name="슬라이드 이미지 개체 틀 1"/>
+          <p:cNvSpPr>
+            <a:spLocks noGrp="1" noRot="1" noChangeAspect="1"/>
+          </p:cNvSpPr>
+          <p:nvPr>
+            <p:ph type="sldImg"/>
+          </p:nvPr>
+        </p:nvSpPr>
+        <p:spPr/>
+      </p:sp>
+      <p:sp>
+        <p:nvSpPr>
+          <p:cNvPr id="3" name="슬라이드 노트 개체 틀 2"/>
+          <p:cNvSpPr>
+            <a:spLocks noGrp="1"/>
+          </p:cNvSpPr>
+          <p:nvPr>
+            <p:ph type="body" idx="1"/>
+          </p:nvPr>
+        </p:nvSpPr>
+        <p:spPr/>
+        <p:txBody>
+          <a:bodyPr>
+            <a:normAutofit/>
+          </a:bodyPr>
+          <a:lstStyle/>
+          <a:p>
+            <a:pPr marL="0" marR="0" indent="0" algn="l" defTabSz="914400" rtl="0" eaLnBrk="1" fontAlgn="auto" latinLnBrk="1" hangingPunct="1">
+              <a:lnSpc>
+                <a:spcPct val="100000"/>
+              </a:lnSpc>
+              <a:spcBef>
+                <a:spcPts val="0"/>
+              </a:spcBef>
+              <a:spcAft>
+                <a:spcPts val="0"/>
+              </a:spcAft>
+              <a:buClrTx/>
+              <a:buSzTx/>
+              <a:buFontTx/>
+              <a:buNone/>
+              <a:tabLst/>
+              <a:defRPr/>
+            </a:pPr>
+            <a:r>
+              <a:rPr lang="en-US" altLang="ko-KR" sz="1200" dirty="0"/>
+              <a:t>http://minheeblog.tistory.com/category/PPT</a:t>
+            </a:r>
+            <a:endParaRPr lang="ko-KR" altLang="en-US" sz="1200" dirty="0"/>
+          </a:p>
+          <a:p>
+            <a:endParaRPr lang="ko-KR" altLang="en-US" dirty="0"/>
+          </a:p>
+        </p:txBody>
+      </p:sp>
+      <p:sp>
+        <p:nvSpPr>
+          <p:cNvPr id="4" name="슬라이드 번호 개체 틀 3"/>
+          <p:cNvSpPr>
+            <a:spLocks noGrp="1"/>
+          </p:cNvSpPr>
+          <p:nvPr>
+            <p:ph type="sldNum" sz="quarter" idx="10"/>
+          </p:nvPr>
+        </p:nvSpPr>
+        <p:spPr/>
+        <p:txBody>
+          <a:bodyPr/>
+          <a:lstStyle/>
+          <a:p>
+            <a:fld id="{04A4E647-5A0F-41E6-A0EF-B58D8C1C6CD4}" type="slidenum">
+              <a:rPr lang="ko-KR" altLang="en-US" smtClean="0"/>
+              <a:pPr/>
+              <a:t>18</a:t>
             </a:fld>
             <a:endParaRPr lang="ko-KR" altLang="en-US"/>
           </a:p>
@@ -1807,7 +2568,7 @@
             <a:fld id="{A22FE722-38C7-4231-8BB5-7A27D4E5977D}" type="datetimeFigureOut">
               <a:rPr lang="ko-KR" altLang="en-US" smtClean="0"/>
               <a:pPr/>
-              <a:t>2021-02-11</a:t>
+              <a:t>2021-02-12</a:t>
             </a:fld>
             <a:endParaRPr lang="ko-KR" altLang="en-US"/>
           </a:p>
@@ -1972,7 +2733,7 @@
             <a:fld id="{A22FE722-38C7-4231-8BB5-7A27D4E5977D}" type="datetimeFigureOut">
               <a:rPr lang="ko-KR" altLang="en-US" smtClean="0"/>
               <a:pPr/>
-              <a:t>2021-02-11</a:t>
+              <a:t>2021-02-12</a:t>
             </a:fld>
             <a:endParaRPr lang="ko-KR" altLang="en-US"/>
           </a:p>
@@ -2147,7 +2908,7 @@
             <a:fld id="{A22FE722-38C7-4231-8BB5-7A27D4E5977D}" type="datetimeFigureOut">
               <a:rPr lang="ko-KR" altLang="en-US" smtClean="0"/>
               <a:pPr/>
-              <a:t>2021-02-11</a:t>
+              <a:t>2021-02-12</a:t>
             </a:fld>
             <a:endParaRPr lang="ko-KR" altLang="en-US"/>
           </a:p>
@@ -2312,7 +3073,7 @@
             <a:fld id="{A22FE722-38C7-4231-8BB5-7A27D4E5977D}" type="datetimeFigureOut">
               <a:rPr lang="ko-KR" altLang="en-US" smtClean="0"/>
               <a:pPr/>
-              <a:t>2021-02-11</a:t>
+              <a:t>2021-02-12</a:t>
             </a:fld>
             <a:endParaRPr lang="ko-KR" altLang="en-US"/>
           </a:p>
@@ -2554,7 +3315,7 @@
             <a:fld id="{A22FE722-38C7-4231-8BB5-7A27D4E5977D}" type="datetimeFigureOut">
               <a:rPr lang="ko-KR" altLang="en-US" smtClean="0"/>
               <a:pPr/>
-              <a:t>2021-02-11</a:t>
+              <a:t>2021-02-12</a:t>
             </a:fld>
             <a:endParaRPr lang="ko-KR" altLang="en-US"/>
           </a:p>
@@ -2836,7 +3597,7 @@
             <a:fld id="{A22FE722-38C7-4231-8BB5-7A27D4E5977D}" type="datetimeFigureOut">
               <a:rPr lang="ko-KR" altLang="en-US" smtClean="0"/>
               <a:pPr/>
-              <a:t>2021-02-11</a:t>
+              <a:t>2021-02-12</a:t>
             </a:fld>
             <a:endParaRPr lang="ko-KR" altLang="en-US"/>
           </a:p>
@@ -3252,7 +4013,7 @@
             <a:fld id="{A22FE722-38C7-4231-8BB5-7A27D4E5977D}" type="datetimeFigureOut">
               <a:rPr lang="ko-KR" altLang="en-US" smtClean="0"/>
               <a:pPr/>
-              <a:t>2021-02-11</a:t>
+              <a:t>2021-02-12</a:t>
             </a:fld>
             <a:endParaRPr lang="ko-KR" altLang="en-US"/>
           </a:p>
@@ -3366,7 +4127,7 @@
             <a:fld id="{A22FE722-38C7-4231-8BB5-7A27D4E5977D}" type="datetimeFigureOut">
               <a:rPr lang="ko-KR" altLang="en-US" smtClean="0"/>
               <a:pPr/>
-              <a:t>2021-02-11</a:t>
+              <a:t>2021-02-12</a:t>
             </a:fld>
             <a:endParaRPr lang="ko-KR" altLang="en-US"/>
           </a:p>
@@ -3458,7 +4219,7 @@
             <a:fld id="{A22FE722-38C7-4231-8BB5-7A27D4E5977D}" type="datetimeFigureOut">
               <a:rPr lang="ko-KR" altLang="en-US" smtClean="0"/>
               <a:pPr/>
-              <a:t>2021-02-11</a:t>
+              <a:t>2021-02-12</a:t>
             </a:fld>
             <a:endParaRPr lang="ko-KR" altLang="en-US"/>
           </a:p>
@@ -3730,7 +4491,7 @@
             <a:fld id="{A22FE722-38C7-4231-8BB5-7A27D4E5977D}" type="datetimeFigureOut">
               <a:rPr lang="ko-KR" altLang="en-US" smtClean="0"/>
               <a:pPr/>
-              <a:t>2021-02-11</a:t>
+              <a:t>2021-02-12</a:t>
             </a:fld>
             <a:endParaRPr lang="ko-KR" altLang="en-US"/>
           </a:p>
@@ -3979,7 +4740,7 @@
             <a:fld id="{A22FE722-38C7-4231-8BB5-7A27D4E5977D}" type="datetimeFigureOut">
               <a:rPr lang="ko-KR" altLang="en-US" smtClean="0"/>
               <a:pPr/>
-              <a:t>2021-02-11</a:t>
+              <a:t>2021-02-12</a:t>
             </a:fld>
             <a:endParaRPr lang="ko-KR" altLang="en-US"/>
           </a:p>
@@ -4187,7 +4948,7 @@
             <a:fld id="{A22FE722-38C7-4231-8BB5-7A27D4E5977D}" type="datetimeFigureOut">
               <a:rPr lang="ko-KR" altLang="en-US" smtClean="0"/>
               <a:pPr/>
-              <a:t>2021-02-11</a:t>
+              <a:t>2021-02-12</a:t>
             </a:fld>
             <a:endParaRPr lang="ko-KR" altLang="en-US"/>
           </a:p>
@@ -5264,6 +6025,4057 @@
         </p:nvSpPr>
         <p:spPr>
           <a:xfrm>
+            <a:off x="251520" y="620688"/>
+            <a:ext cx="8640960" cy="5976664"/>
+          </a:xfrm>
+          <a:prstGeom prst="rect">
+            <a:avLst/>
+          </a:prstGeom>
+          <a:solidFill>
+            <a:schemeClr val="bg1"/>
+          </a:solidFill>
+          <a:ln>
+            <a:noFill/>
+          </a:ln>
+        </p:spPr>
+        <p:style>
+          <a:lnRef idx="2">
+            <a:schemeClr val="accent1">
+              <a:shade val="50000"/>
+            </a:schemeClr>
+          </a:lnRef>
+          <a:fillRef idx="1">
+            <a:schemeClr val="accent1"/>
+          </a:fillRef>
+          <a:effectRef idx="0">
+            <a:schemeClr val="accent1"/>
+          </a:effectRef>
+          <a:fontRef idx="minor">
+            <a:schemeClr val="lt1"/>
+          </a:fontRef>
+        </p:style>
+        <p:txBody>
+          <a:bodyPr rtlCol="0" anchor="ctr"/>
+          <a:lstStyle/>
+          <a:p>
+            <a:pPr algn="ctr"/>
+            <a:endParaRPr lang="ko-KR" altLang="en-US"/>
+          </a:p>
+        </p:txBody>
+      </p:sp>
+      <p:sp>
+        <p:nvSpPr>
+          <p:cNvPr id="3" name="타원 2"/>
+          <p:cNvSpPr/>
+          <p:nvPr/>
+        </p:nvSpPr>
+        <p:spPr>
+          <a:xfrm>
+            <a:off x="4067944" y="74100"/>
+            <a:ext cx="936104" cy="936104"/>
+          </a:xfrm>
+          <a:prstGeom prst="ellipse">
+            <a:avLst/>
+          </a:prstGeom>
+          <a:solidFill>
+            <a:schemeClr val="tx2">
+              <a:lumMod val="75000"/>
+            </a:schemeClr>
+          </a:solidFill>
+          <a:ln>
+            <a:noFill/>
+          </a:ln>
+        </p:spPr>
+        <p:style>
+          <a:lnRef idx="2">
+            <a:schemeClr val="accent1">
+              <a:shade val="50000"/>
+            </a:schemeClr>
+          </a:lnRef>
+          <a:fillRef idx="1">
+            <a:schemeClr val="accent1"/>
+          </a:fillRef>
+          <a:effectRef idx="0">
+            <a:schemeClr val="accent1"/>
+          </a:effectRef>
+          <a:fontRef idx="minor">
+            <a:schemeClr val="lt1"/>
+          </a:fontRef>
+        </p:style>
+        <p:txBody>
+          <a:bodyPr rtlCol="0" anchor="ctr"/>
+          <a:lstStyle/>
+          <a:p>
+            <a:pPr algn="ctr"/>
+            <a:endParaRPr lang="ko-KR" altLang="en-US"/>
+          </a:p>
+        </p:txBody>
+      </p:sp>
+      <p:sp>
+        <p:nvSpPr>
+          <p:cNvPr id="8" name="직사각형 7"/>
+          <p:cNvSpPr/>
+          <p:nvPr/>
+        </p:nvSpPr>
+        <p:spPr>
+          <a:xfrm>
+            <a:off x="260710" y="141014"/>
+            <a:ext cx="1362874" cy="400110"/>
+          </a:xfrm>
+          <a:prstGeom prst="rect">
+            <a:avLst/>
+          </a:prstGeom>
+        </p:spPr>
+        <p:txBody>
+          <a:bodyPr wrap="none">
+            <a:spAutoFit/>
+          </a:bodyPr>
+          <a:lstStyle/>
+          <a:p>
+            <a:pPr algn="ctr"/>
+            <a:r>
+              <a:rPr lang="en-US" altLang="ko-KR" sz="2000" b="1" spc="-150" dirty="0">
+                <a:solidFill>
+                  <a:schemeClr val="bg1"/>
+                </a:solidFill>
+              </a:rPr>
+              <a:t>5. Boosting</a:t>
+            </a:r>
+            <a:endParaRPr lang="ko-KR" altLang="en-US" sz="2000" b="1" spc="-150" dirty="0">
+              <a:solidFill>
+                <a:schemeClr val="bg1"/>
+              </a:solidFill>
+            </a:endParaRPr>
+          </a:p>
+        </p:txBody>
+      </p:sp>
+      <p:sp>
+        <p:nvSpPr>
+          <p:cNvPr id="9" name="TextBox 8"/>
+          <p:cNvSpPr txBox="1"/>
+          <p:nvPr/>
+        </p:nvSpPr>
+        <p:spPr>
+          <a:xfrm>
+            <a:off x="3995936" y="479095"/>
+            <a:ext cx="1080120" cy="461665"/>
+          </a:xfrm>
+          <a:prstGeom prst="rect">
+            <a:avLst/>
+          </a:prstGeom>
+          <a:noFill/>
+        </p:spPr>
+        <p:txBody>
+          <a:bodyPr wrap="square" rtlCol="0">
+            <a:spAutoFit/>
+          </a:bodyPr>
+          <a:lstStyle/>
+          <a:p>
+            <a:pPr algn="ctr"/>
+            <a:r>
+              <a:rPr lang="en-US" altLang="ko-KR" sz="2400" dirty="0">
+                <a:solidFill>
+                  <a:schemeClr val="bg1"/>
+                </a:solidFill>
+                <a:latin typeface="HY헤드라인M" pitchFamily="18" charset="-127"/>
+                <a:ea typeface="HY헤드라인M" pitchFamily="18" charset="-127"/>
+              </a:rPr>
+              <a:t>05</a:t>
+            </a:r>
+            <a:endParaRPr lang="ko-KR" altLang="en-US" sz="2400" dirty="0">
+              <a:solidFill>
+                <a:schemeClr val="bg1"/>
+              </a:solidFill>
+              <a:latin typeface="HY헤드라인M" pitchFamily="18" charset="-127"/>
+              <a:ea typeface="HY헤드라인M" pitchFamily="18" charset="-127"/>
+            </a:endParaRPr>
+          </a:p>
+        </p:txBody>
+      </p:sp>
+      <p:sp>
+        <p:nvSpPr>
+          <p:cNvPr id="12" name="TextBox 11"/>
+          <p:cNvSpPr txBox="1"/>
+          <p:nvPr/>
+        </p:nvSpPr>
+        <p:spPr>
+          <a:xfrm>
+            <a:off x="5364088" y="271681"/>
+            <a:ext cx="3600400" cy="276999"/>
+          </a:xfrm>
+          <a:prstGeom prst="rect">
+            <a:avLst/>
+          </a:prstGeom>
+          <a:noFill/>
+        </p:spPr>
+        <p:txBody>
+          <a:bodyPr wrap="square" rtlCol="0">
+            <a:spAutoFit/>
+          </a:bodyPr>
+          <a:lstStyle/>
+          <a:p>
+            <a:pPr algn="dist"/>
+            <a:r>
+              <a:rPr lang="en-US" altLang="ko-KR" sz="1200" b="1" dirty="0">
+                <a:solidFill>
+                  <a:schemeClr val="bg1"/>
+                </a:solidFill>
+              </a:rPr>
+              <a:t>ML </a:t>
+            </a:r>
+            <a:r>
+              <a:rPr lang="ko-KR" altLang="en-US" sz="1200" b="1" dirty="0">
+                <a:solidFill>
+                  <a:schemeClr val="bg1"/>
+                </a:solidFill>
+              </a:rPr>
+              <a:t> </a:t>
+            </a:r>
+            <a:r>
+              <a:rPr lang="en-US" altLang="ko-KR" sz="1200" b="1" dirty="0">
+                <a:solidFill>
+                  <a:schemeClr val="bg1"/>
+                </a:solidFill>
+              </a:rPr>
+              <a:t>Ensemble Learning</a:t>
+            </a:r>
+            <a:endParaRPr lang="ko-KR" altLang="en-US" sz="1200" b="1" dirty="0">
+              <a:solidFill>
+                <a:schemeClr val="bg1"/>
+              </a:solidFill>
+            </a:endParaRPr>
+          </a:p>
+        </p:txBody>
+      </p:sp>
+      <p:sp>
+        <p:nvSpPr>
+          <p:cNvPr id="4" name="TextBox 3">
+            <a:extLst>
+              <a:ext uri="{FF2B5EF4-FFF2-40B4-BE49-F238E27FC236}">
+                <a16:creationId xmlns:a16="http://schemas.microsoft.com/office/drawing/2014/main" id="{FAE05800-41DD-415A-8EF6-9E894C804E92}"/>
+              </a:ext>
+            </a:extLst>
+          </p:cNvPr>
+          <p:cNvSpPr txBox="1"/>
+          <p:nvPr/>
+        </p:nvSpPr>
+        <p:spPr>
+          <a:xfrm>
+            <a:off x="539552" y="1075206"/>
+            <a:ext cx="7992888" cy="4801314"/>
+          </a:xfrm>
+          <a:prstGeom prst="rect">
+            <a:avLst/>
+          </a:prstGeom>
+          <a:noFill/>
+        </p:spPr>
+        <p:txBody>
+          <a:bodyPr wrap="square" rtlCol="0">
+            <a:spAutoFit/>
+          </a:bodyPr>
+          <a:lstStyle/>
+          <a:p>
+            <a:r>
+              <a:rPr lang="en-US" altLang="ko-KR" sz="2400" b="1" dirty="0"/>
+              <a:t>Boosting</a:t>
+            </a:r>
+          </a:p>
+          <a:p>
+            <a:endParaRPr lang="en-US" altLang="ko-KR" b="1" dirty="0"/>
+          </a:p>
+          <a:p>
+            <a:endParaRPr lang="en-US" altLang="ko-KR" b="1" dirty="0"/>
+          </a:p>
+          <a:p>
+            <a:endParaRPr lang="en-US" altLang="ko-KR" sz="1200" b="1" dirty="0"/>
+          </a:p>
+          <a:p>
+            <a:pPr marL="285750" indent="-285750">
+              <a:buFontTx/>
+              <a:buChar char="-"/>
+            </a:pPr>
+            <a:r>
+              <a:rPr lang="en-US" altLang="ko-KR" b="1" dirty="0"/>
+              <a:t>Boosting</a:t>
+            </a:r>
+            <a:r>
+              <a:rPr lang="ko-KR" altLang="en-US" b="1" dirty="0"/>
+              <a:t>은 일련의 약한 </a:t>
+            </a:r>
+            <a:r>
+              <a:rPr lang="en-US" altLang="ko-KR" b="1" dirty="0"/>
+              <a:t>Estimator</a:t>
+            </a:r>
+            <a:r>
+              <a:rPr lang="ko-KR" altLang="en-US" b="1" dirty="0"/>
+              <a:t>를 연결하여 앞의 </a:t>
+            </a:r>
+            <a:r>
+              <a:rPr lang="en-US" altLang="ko-KR" b="1" dirty="0"/>
+              <a:t>Estimator</a:t>
+            </a:r>
+            <a:r>
+              <a:rPr lang="ko-KR" altLang="en-US" b="1" dirty="0"/>
+              <a:t>를 보완해 나가는 방식 가중치를 업데이트 하여 강한 </a:t>
+            </a:r>
+            <a:r>
+              <a:rPr lang="en-US" altLang="ko-KR" b="1" dirty="0"/>
+              <a:t>Estimator</a:t>
+            </a:r>
+            <a:r>
+              <a:rPr lang="ko-KR" altLang="en-US" b="1" dirty="0"/>
+              <a:t>를 만드는 기법이다</a:t>
+            </a:r>
+            <a:r>
+              <a:rPr lang="en-US" altLang="ko-KR" b="1" dirty="0"/>
+              <a:t>.</a:t>
+            </a:r>
+          </a:p>
+          <a:p>
+            <a:pPr marL="285750" indent="-285750">
+              <a:buFontTx/>
+              <a:buChar char="-"/>
+            </a:pPr>
+            <a:endParaRPr lang="en-US" altLang="ko-KR" b="1" dirty="0"/>
+          </a:p>
+          <a:p>
+            <a:pPr marL="285750" indent="-285750">
+              <a:buFontTx/>
+              <a:buChar char="-"/>
+            </a:pPr>
+            <a:r>
+              <a:rPr lang="ko-KR" altLang="en-US" b="1" dirty="0"/>
+              <a:t>대표적인 </a:t>
+            </a:r>
+            <a:r>
+              <a:rPr lang="en-US" altLang="ko-KR" b="1" dirty="0"/>
+              <a:t>Boosting</a:t>
+            </a:r>
+            <a:r>
+              <a:rPr lang="ko-KR" altLang="en-US" b="1" dirty="0"/>
+              <a:t>으로 </a:t>
+            </a:r>
+            <a:r>
+              <a:rPr lang="en-US" altLang="ko-KR" b="1" dirty="0"/>
+              <a:t>AdaBoost</a:t>
+            </a:r>
+            <a:r>
+              <a:rPr lang="ko-KR" altLang="en-US" b="1" dirty="0"/>
+              <a:t>와 </a:t>
+            </a:r>
+            <a:r>
+              <a:rPr lang="en-US" altLang="ko-KR" b="1" dirty="0"/>
+              <a:t>Gradient Boosting</a:t>
+            </a:r>
+            <a:r>
+              <a:rPr lang="ko-KR" altLang="en-US" b="1" dirty="0"/>
+              <a:t>이 있다</a:t>
+            </a:r>
+            <a:r>
+              <a:rPr lang="en-US" altLang="ko-KR" b="1" dirty="0"/>
+              <a:t>.</a:t>
+            </a:r>
+          </a:p>
+          <a:p>
+            <a:pPr marL="285750" indent="-285750">
+              <a:buFontTx/>
+              <a:buChar char="-"/>
+            </a:pPr>
+            <a:endParaRPr lang="en-US" altLang="ko-KR" b="1" dirty="0"/>
+          </a:p>
+          <a:p>
+            <a:pPr marL="285750" indent="-285750">
+              <a:buFontTx/>
+              <a:buChar char="-"/>
+            </a:pPr>
+            <a:r>
+              <a:rPr lang="en-US" altLang="ko-KR" b="1" dirty="0"/>
+              <a:t>Boosting</a:t>
+            </a:r>
+            <a:r>
+              <a:rPr lang="ko-KR" altLang="en-US" b="1" dirty="0"/>
+              <a:t>은 개별 예측기들을 순차적으로 연결한 형태이기 때문에</a:t>
+            </a:r>
+            <a:r>
+              <a:rPr lang="en-US" altLang="ko-KR" b="1" dirty="0"/>
+              <a:t>, </a:t>
+            </a:r>
+            <a:r>
+              <a:rPr lang="ko-KR" altLang="en-US" b="1" dirty="0"/>
+              <a:t>이전의 예측기의 학습 결과가 나와야 다음 예측기를 학습할 수 있다</a:t>
+            </a:r>
+            <a:r>
+              <a:rPr lang="en-US" altLang="ko-KR" b="1" dirty="0"/>
+              <a:t>.</a:t>
+            </a:r>
+          </a:p>
+          <a:p>
+            <a:pPr marL="285750" indent="-285750">
+              <a:buFontTx/>
+              <a:buChar char="-"/>
+            </a:pPr>
+            <a:endParaRPr lang="en-US" altLang="ko-KR" b="1" dirty="0"/>
+          </a:p>
+          <a:p>
+            <a:pPr marL="285750" indent="-285750">
+              <a:buFontTx/>
+              <a:buChar char="-"/>
+            </a:pPr>
+            <a:r>
+              <a:rPr lang="ko-KR" altLang="en-US" b="1" dirty="0"/>
+              <a:t>그렇기 때문에</a:t>
+            </a:r>
+            <a:r>
+              <a:rPr lang="en-US" altLang="ko-KR" b="1" dirty="0"/>
+              <a:t>, Bagging</a:t>
+            </a:r>
+            <a:r>
+              <a:rPr lang="ko-KR" altLang="en-US" b="1" dirty="0"/>
+              <a:t>이나 </a:t>
+            </a:r>
+            <a:r>
+              <a:rPr lang="en-US" altLang="ko-KR" b="1" dirty="0"/>
+              <a:t>Pasting</a:t>
+            </a:r>
+            <a:r>
+              <a:rPr lang="ko-KR" altLang="en-US" b="1" dirty="0"/>
+              <a:t>과 달리 병렬 연산을 지원하지 않으며 확장성을 갖고 있지 않다</a:t>
+            </a:r>
+            <a:r>
+              <a:rPr lang="en-US" altLang="ko-KR" b="1" dirty="0"/>
+              <a:t>.</a:t>
+            </a:r>
+          </a:p>
+          <a:p>
+            <a:pPr marL="285750" indent="-285750">
+              <a:buFontTx/>
+              <a:buChar char="-"/>
+            </a:pPr>
+            <a:endParaRPr lang="en-US" altLang="ko-KR" b="1" dirty="0"/>
+          </a:p>
+          <a:p>
+            <a:pPr marL="285750" indent="-285750">
+              <a:buFontTx/>
+              <a:buChar char="-"/>
+            </a:pPr>
+            <a:r>
+              <a:rPr lang="en-US" altLang="ko-KR" b="1" dirty="0"/>
+              <a:t>Bagging</a:t>
+            </a:r>
+            <a:r>
+              <a:rPr lang="ko-KR" altLang="en-US" b="1" dirty="0"/>
+              <a:t>과 </a:t>
+            </a:r>
+            <a:r>
+              <a:rPr lang="en-US" altLang="ko-KR" b="1" dirty="0"/>
+              <a:t>Pasting</a:t>
+            </a:r>
+            <a:r>
+              <a:rPr lang="ko-KR" altLang="en-US" b="1" dirty="0"/>
+              <a:t>이 일반화에 중점을 두고 있다면</a:t>
+            </a:r>
+            <a:r>
+              <a:rPr lang="en-US" altLang="ko-KR" b="1" dirty="0"/>
+              <a:t>, Boosting</a:t>
+            </a:r>
+            <a:r>
+              <a:rPr lang="ko-KR" altLang="en-US" b="1" dirty="0"/>
+              <a:t>은 풀기 어려운 문제를 푸는 것에 중점을 두었다고 할 수 있다</a:t>
+            </a:r>
+            <a:r>
+              <a:rPr lang="en-US" altLang="ko-KR" b="1" dirty="0"/>
+              <a:t>.</a:t>
+            </a:r>
+          </a:p>
+        </p:txBody>
+      </p:sp>
+    </p:spTree>
+    <p:extLst>
+      <p:ext uri="{BB962C8B-B14F-4D97-AF65-F5344CB8AC3E}">
+        <p14:creationId xmlns:p14="http://schemas.microsoft.com/office/powerpoint/2010/main" val="468591924"/>
+      </p:ext>
+    </p:extLst>
+  </p:cSld>
+  <p:clrMapOvr>
+    <a:masterClrMapping/>
+  </p:clrMapOvr>
+</p:sld>
+</file>
+
+<file path=ppt/slides/slide12.xml><?xml version="1.0" encoding="utf-8"?>
+<p:sld xmlns:a="http://schemas.openxmlformats.org/drawingml/2006/main" xmlns:r="http://schemas.openxmlformats.org/officeDocument/2006/relationships" xmlns:p="http://schemas.openxmlformats.org/presentationml/2006/main">
+  <p:cSld>
+    <p:bg>
+      <p:bgPr>
+        <a:solidFill>
+          <a:schemeClr val="tx2">
+            <a:lumMod val="75000"/>
+          </a:schemeClr>
+        </a:solidFill>
+        <a:effectLst/>
+      </p:bgPr>
+    </p:bg>
+    <p:spTree>
+      <p:nvGrpSpPr>
+        <p:cNvPr id="1" name=""/>
+        <p:cNvGrpSpPr/>
+        <p:nvPr/>
+      </p:nvGrpSpPr>
+      <p:grpSpPr>
+        <a:xfrm>
+          <a:off x="0" y="0"/>
+          <a:ext cx="0" cy="0"/>
+          <a:chOff x="0" y="0"/>
+          <a:chExt cx="0" cy="0"/>
+        </a:xfrm>
+      </p:grpSpPr>
+      <p:sp>
+        <p:nvSpPr>
+          <p:cNvPr id="2" name="직사각형 1"/>
+          <p:cNvSpPr/>
+          <p:nvPr/>
+        </p:nvSpPr>
+        <p:spPr>
+          <a:xfrm>
+            <a:off x="251520" y="620688"/>
+            <a:ext cx="8640960" cy="5976664"/>
+          </a:xfrm>
+          <a:prstGeom prst="rect">
+            <a:avLst/>
+          </a:prstGeom>
+          <a:solidFill>
+            <a:schemeClr val="bg1"/>
+          </a:solidFill>
+          <a:ln>
+            <a:noFill/>
+          </a:ln>
+        </p:spPr>
+        <p:style>
+          <a:lnRef idx="2">
+            <a:schemeClr val="accent1">
+              <a:shade val="50000"/>
+            </a:schemeClr>
+          </a:lnRef>
+          <a:fillRef idx="1">
+            <a:schemeClr val="accent1"/>
+          </a:fillRef>
+          <a:effectRef idx="0">
+            <a:schemeClr val="accent1"/>
+          </a:effectRef>
+          <a:fontRef idx="minor">
+            <a:schemeClr val="lt1"/>
+          </a:fontRef>
+        </p:style>
+        <p:txBody>
+          <a:bodyPr rtlCol="0" anchor="ctr"/>
+          <a:lstStyle/>
+          <a:p>
+            <a:pPr algn="ctr"/>
+            <a:endParaRPr lang="ko-KR" altLang="en-US"/>
+          </a:p>
+        </p:txBody>
+      </p:sp>
+      <p:sp>
+        <p:nvSpPr>
+          <p:cNvPr id="3" name="타원 2"/>
+          <p:cNvSpPr/>
+          <p:nvPr/>
+        </p:nvSpPr>
+        <p:spPr>
+          <a:xfrm>
+            <a:off x="4067944" y="74100"/>
+            <a:ext cx="936104" cy="936104"/>
+          </a:xfrm>
+          <a:prstGeom prst="ellipse">
+            <a:avLst/>
+          </a:prstGeom>
+          <a:solidFill>
+            <a:schemeClr val="tx2">
+              <a:lumMod val="75000"/>
+            </a:schemeClr>
+          </a:solidFill>
+          <a:ln>
+            <a:noFill/>
+          </a:ln>
+        </p:spPr>
+        <p:style>
+          <a:lnRef idx="2">
+            <a:schemeClr val="accent1">
+              <a:shade val="50000"/>
+            </a:schemeClr>
+          </a:lnRef>
+          <a:fillRef idx="1">
+            <a:schemeClr val="accent1"/>
+          </a:fillRef>
+          <a:effectRef idx="0">
+            <a:schemeClr val="accent1"/>
+          </a:effectRef>
+          <a:fontRef idx="minor">
+            <a:schemeClr val="lt1"/>
+          </a:fontRef>
+        </p:style>
+        <p:txBody>
+          <a:bodyPr rtlCol="0" anchor="ctr"/>
+          <a:lstStyle/>
+          <a:p>
+            <a:pPr algn="ctr"/>
+            <a:endParaRPr lang="ko-KR" altLang="en-US"/>
+          </a:p>
+        </p:txBody>
+      </p:sp>
+      <p:sp>
+        <p:nvSpPr>
+          <p:cNvPr id="8" name="직사각형 7"/>
+          <p:cNvSpPr/>
+          <p:nvPr/>
+        </p:nvSpPr>
+        <p:spPr>
+          <a:xfrm>
+            <a:off x="260710" y="141014"/>
+            <a:ext cx="1362874" cy="400110"/>
+          </a:xfrm>
+          <a:prstGeom prst="rect">
+            <a:avLst/>
+          </a:prstGeom>
+        </p:spPr>
+        <p:txBody>
+          <a:bodyPr wrap="none">
+            <a:spAutoFit/>
+          </a:bodyPr>
+          <a:lstStyle/>
+          <a:p>
+            <a:pPr algn="ctr"/>
+            <a:r>
+              <a:rPr lang="en-US" altLang="ko-KR" sz="2000" b="1" spc="-150" dirty="0">
+                <a:solidFill>
+                  <a:schemeClr val="bg1"/>
+                </a:solidFill>
+              </a:rPr>
+              <a:t>5. Boosting</a:t>
+            </a:r>
+            <a:endParaRPr lang="ko-KR" altLang="en-US" sz="2000" b="1" spc="-150" dirty="0">
+              <a:solidFill>
+                <a:schemeClr val="bg1"/>
+              </a:solidFill>
+            </a:endParaRPr>
+          </a:p>
+        </p:txBody>
+      </p:sp>
+      <p:sp>
+        <p:nvSpPr>
+          <p:cNvPr id="9" name="TextBox 8"/>
+          <p:cNvSpPr txBox="1"/>
+          <p:nvPr/>
+        </p:nvSpPr>
+        <p:spPr>
+          <a:xfrm>
+            <a:off x="3995936" y="479095"/>
+            <a:ext cx="1080120" cy="461665"/>
+          </a:xfrm>
+          <a:prstGeom prst="rect">
+            <a:avLst/>
+          </a:prstGeom>
+          <a:noFill/>
+        </p:spPr>
+        <p:txBody>
+          <a:bodyPr wrap="square" rtlCol="0">
+            <a:spAutoFit/>
+          </a:bodyPr>
+          <a:lstStyle/>
+          <a:p>
+            <a:pPr algn="ctr"/>
+            <a:r>
+              <a:rPr lang="en-US" altLang="ko-KR" sz="2400" dirty="0">
+                <a:solidFill>
+                  <a:schemeClr val="bg1"/>
+                </a:solidFill>
+                <a:latin typeface="HY헤드라인M" pitchFamily="18" charset="-127"/>
+                <a:ea typeface="HY헤드라인M" pitchFamily="18" charset="-127"/>
+              </a:rPr>
+              <a:t>05</a:t>
+            </a:r>
+            <a:endParaRPr lang="ko-KR" altLang="en-US" sz="2400" dirty="0">
+              <a:solidFill>
+                <a:schemeClr val="bg1"/>
+              </a:solidFill>
+              <a:latin typeface="HY헤드라인M" pitchFamily="18" charset="-127"/>
+              <a:ea typeface="HY헤드라인M" pitchFamily="18" charset="-127"/>
+            </a:endParaRPr>
+          </a:p>
+        </p:txBody>
+      </p:sp>
+      <p:sp>
+        <p:nvSpPr>
+          <p:cNvPr id="12" name="TextBox 11"/>
+          <p:cNvSpPr txBox="1"/>
+          <p:nvPr/>
+        </p:nvSpPr>
+        <p:spPr>
+          <a:xfrm>
+            <a:off x="5364088" y="271681"/>
+            <a:ext cx="3600400" cy="276999"/>
+          </a:xfrm>
+          <a:prstGeom prst="rect">
+            <a:avLst/>
+          </a:prstGeom>
+          <a:noFill/>
+        </p:spPr>
+        <p:txBody>
+          <a:bodyPr wrap="square" rtlCol="0">
+            <a:spAutoFit/>
+          </a:bodyPr>
+          <a:lstStyle/>
+          <a:p>
+            <a:pPr algn="dist"/>
+            <a:r>
+              <a:rPr lang="en-US" altLang="ko-KR" sz="1200" b="1" dirty="0">
+                <a:solidFill>
+                  <a:schemeClr val="bg1"/>
+                </a:solidFill>
+              </a:rPr>
+              <a:t>ML </a:t>
+            </a:r>
+            <a:r>
+              <a:rPr lang="ko-KR" altLang="en-US" sz="1200" b="1" dirty="0">
+                <a:solidFill>
+                  <a:schemeClr val="bg1"/>
+                </a:solidFill>
+              </a:rPr>
+              <a:t> </a:t>
+            </a:r>
+            <a:r>
+              <a:rPr lang="en-US" altLang="ko-KR" sz="1200" b="1" dirty="0">
+                <a:solidFill>
+                  <a:schemeClr val="bg1"/>
+                </a:solidFill>
+              </a:rPr>
+              <a:t>Ensemble Learning</a:t>
+            </a:r>
+            <a:endParaRPr lang="ko-KR" altLang="en-US" sz="1200" b="1" dirty="0">
+              <a:solidFill>
+                <a:schemeClr val="bg1"/>
+              </a:solidFill>
+            </a:endParaRPr>
+          </a:p>
+        </p:txBody>
+      </p:sp>
+      <p:sp>
+        <p:nvSpPr>
+          <p:cNvPr id="4" name="TextBox 3">
+            <a:extLst>
+              <a:ext uri="{FF2B5EF4-FFF2-40B4-BE49-F238E27FC236}">
+                <a16:creationId xmlns:a16="http://schemas.microsoft.com/office/drawing/2014/main" id="{FAE05800-41DD-415A-8EF6-9E894C804E92}"/>
+              </a:ext>
+            </a:extLst>
+          </p:cNvPr>
+          <p:cNvSpPr txBox="1"/>
+          <p:nvPr/>
+        </p:nvSpPr>
+        <p:spPr>
+          <a:xfrm>
+            <a:off x="539552" y="1075206"/>
+            <a:ext cx="7992888" cy="5632311"/>
+          </a:xfrm>
+          <a:prstGeom prst="rect">
+            <a:avLst/>
+          </a:prstGeom>
+          <a:noFill/>
+        </p:spPr>
+        <p:txBody>
+          <a:bodyPr wrap="square" rtlCol="0">
+            <a:spAutoFit/>
+          </a:bodyPr>
+          <a:lstStyle/>
+          <a:p>
+            <a:r>
+              <a:rPr lang="en-US" altLang="ko-KR" sz="2400" b="1" dirty="0"/>
+              <a:t>AdaBoost(1)</a:t>
+            </a:r>
+            <a:endParaRPr lang="en-US" altLang="ko-KR" b="1" dirty="0"/>
+          </a:p>
+          <a:p>
+            <a:endParaRPr lang="en-US" altLang="ko-KR" b="1" dirty="0"/>
+          </a:p>
+          <a:p>
+            <a:endParaRPr lang="en-US" altLang="ko-KR" sz="1200" b="1" dirty="0"/>
+          </a:p>
+          <a:p>
+            <a:endParaRPr lang="en-US" altLang="ko-KR" sz="1200" b="1" dirty="0"/>
+          </a:p>
+          <a:p>
+            <a:endParaRPr lang="en-US" altLang="ko-KR" sz="1200" b="1" dirty="0"/>
+          </a:p>
+          <a:p>
+            <a:endParaRPr lang="en-US" altLang="ko-KR" sz="1200" b="1" dirty="0"/>
+          </a:p>
+          <a:p>
+            <a:endParaRPr lang="en-US" altLang="ko-KR" sz="1200" b="1" dirty="0"/>
+          </a:p>
+          <a:p>
+            <a:endParaRPr lang="en-US" altLang="ko-KR" sz="1200" b="1" dirty="0"/>
+          </a:p>
+          <a:p>
+            <a:endParaRPr lang="en-US" altLang="ko-KR" sz="1200" b="1" dirty="0"/>
+          </a:p>
+          <a:p>
+            <a:endParaRPr lang="en-US" altLang="ko-KR" sz="1200" b="1" dirty="0"/>
+          </a:p>
+          <a:p>
+            <a:endParaRPr lang="en-US" altLang="ko-KR" sz="1200" b="1" dirty="0"/>
+          </a:p>
+          <a:p>
+            <a:endParaRPr lang="en-US" altLang="ko-KR" sz="1200" b="1" dirty="0"/>
+          </a:p>
+          <a:p>
+            <a:endParaRPr lang="en-US" altLang="ko-KR" sz="1200" b="1" dirty="0"/>
+          </a:p>
+          <a:p>
+            <a:endParaRPr lang="en-US" altLang="ko-KR" sz="1200" b="1" dirty="0"/>
+          </a:p>
+          <a:p>
+            <a:endParaRPr lang="en-US" altLang="ko-KR" sz="1200" b="1" dirty="0"/>
+          </a:p>
+          <a:p>
+            <a:endParaRPr lang="en-US" altLang="ko-KR" sz="1200" b="1" dirty="0"/>
+          </a:p>
+          <a:p>
+            <a:endParaRPr lang="en-US" altLang="ko-KR" sz="1200" b="1" dirty="0"/>
+          </a:p>
+          <a:p>
+            <a:pPr marL="285750" indent="-285750">
+              <a:buFontTx/>
+              <a:buChar char="-"/>
+            </a:pPr>
+            <a:r>
+              <a:rPr lang="en-US" altLang="ko-KR" b="1" dirty="0"/>
+              <a:t>AdaBoost</a:t>
+            </a:r>
+            <a:r>
+              <a:rPr lang="ko-KR" altLang="en-US" b="1" dirty="0"/>
+              <a:t>는 앞의 예측기가 과소적합 하거나 잘못 분류했던 훈련 샘플의 가중치를 높이는 방식으로 가중치를 업데이트한다</a:t>
+            </a:r>
+            <a:r>
+              <a:rPr lang="en-US" altLang="ko-KR" b="1" dirty="0"/>
+              <a:t>.</a:t>
+            </a:r>
+          </a:p>
+          <a:p>
+            <a:pPr marL="285750" indent="-285750">
+              <a:buFontTx/>
+              <a:buChar char="-"/>
+            </a:pPr>
+            <a:endParaRPr lang="en-US" altLang="ko-KR" b="1" dirty="0"/>
+          </a:p>
+          <a:p>
+            <a:pPr marL="285750" indent="-285750">
+              <a:buFontTx/>
+              <a:buChar char="-"/>
+            </a:pPr>
+            <a:r>
+              <a:rPr lang="ko-KR" altLang="en-US" b="1" dirty="0"/>
+              <a:t>이러한 방식으로 새로운 예측기는 학습하기 어려운 샘플에 맞춰지게 된다</a:t>
+            </a:r>
+            <a:r>
+              <a:rPr lang="en-US" altLang="ko-KR" b="1" dirty="0"/>
+              <a:t>.</a:t>
+            </a:r>
+          </a:p>
+          <a:p>
+            <a:pPr marL="285750" indent="-285750">
+              <a:buFontTx/>
+              <a:buChar char="-"/>
+            </a:pPr>
+            <a:endParaRPr lang="en-US" altLang="ko-KR" b="1" dirty="0"/>
+          </a:p>
+          <a:p>
+            <a:pPr marL="285750" indent="-285750">
+              <a:buFontTx/>
+              <a:buChar char="-"/>
+            </a:pPr>
+            <a:r>
+              <a:rPr lang="ko-KR" altLang="en-US" b="1" dirty="0"/>
+              <a:t>예측은 </a:t>
+            </a:r>
+            <a:r>
+              <a:rPr lang="en-US" altLang="ko-KR" b="1" dirty="0"/>
+              <a:t>Bagging</a:t>
+            </a:r>
+            <a:r>
+              <a:rPr lang="ko-KR" altLang="en-US" b="1" dirty="0"/>
+              <a:t>과 비슷한 방식으로 동작하지만</a:t>
+            </a:r>
+            <a:r>
+              <a:rPr lang="en-US" altLang="ko-KR" b="1" dirty="0"/>
+              <a:t>, </a:t>
+            </a:r>
+            <a:r>
+              <a:rPr lang="ko-KR" altLang="en-US" b="1" dirty="0"/>
+              <a:t>개별 예측기마다 다른 가중치가 적용된다</a:t>
+            </a:r>
+            <a:r>
+              <a:rPr lang="en-US" altLang="ko-KR" b="1" dirty="0"/>
+              <a:t>.</a:t>
+            </a:r>
+          </a:p>
+        </p:txBody>
+      </p:sp>
+      <p:grpSp>
+        <p:nvGrpSpPr>
+          <p:cNvPr id="7" name="그룹 6">
+            <a:extLst>
+              <a:ext uri="{FF2B5EF4-FFF2-40B4-BE49-F238E27FC236}">
+                <a16:creationId xmlns:a16="http://schemas.microsoft.com/office/drawing/2014/main" id="{8C81E0AC-E0A9-45C2-B0DD-26B6C21873CC}"/>
+              </a:ext>
+            </a:extLst>
+          </p:cNvPr>
+          <p:cNvGrpSpPr/>
+          <p:nvPr/>
+        </p:nvGrpSpPr>
+        <p:grpSpPr>
+          <a:xfrm>
+            <a:off x="2781589" y="1628800"/>
+            <a:ext cx="3522175" cy="2520280"/>
+            <a:chOff x="2781589" y="1772816"/>
+            <a:chExt cx="3522175" cy="2520280"/>
+          </a:xfrm>
+        </p:grpSpPr>
+        <p:pic>
+          <p:nvPicPr>
+            <p:cNvPr id="6" name="그림 5">
+              <a:extLst>
+                <a:ext uri="{FF2B5EF4-FFF2-40B4-BE49-F238E27FC236}">
+                  <a16:creationId xmlns:a16="http://schemas.microsoft.com/office/drawing/2014/main" id="{824E8FD5-8A12-428B-97EF-689732D01B68}"/>
+                </a:ext>
+              </a:extLst>
+            </p:cNvPr>
+            <p:cNvPicPr>
+              <a:picLocks noChangeAspect="1"/>
+            </p:cNvPicPr>
+            <p:nvPr/>
+          </p:nvPicPr>
+          <p:blipFill>
+            <a:blip r:embed="rId3"/>
+            <a:stretch>
+              <a:fillRect/>
+            </a:stretch>
+          </p:blipFill>
+          <p:spPr>
+            <a:xfrm>
+              <a:off x="2781589" y="1772816"/>
+              <a:ext cx="3522175" cy="2140192"/>
+            </a:xfrm>
+            <a:prstGeom prst="rect">
+              <a:avLst/>
+            </a:prstGeom>
+          </p:spPr>
+        </p:pic>
+        <p:sp>
+          <p:nvSpPr>
+            <p:cNvPr id="10" name="TextBox 9">
+              <a:extLst>
+                <a:ext uri="{FF2B5EF4-FFF2-40B4-BE49-F238E27FC236}">
+                  <a16:creationId xmlns:a16="http://schemas.microsoft.com/office/drawing/2014/main" id="{EE2D3572-F6DC-44A8-83D3-C14CDD225908}"/>
+                </a:ext>
+              </a:extLst>
+            </p:cNvPr>
+            <p:cNvSpPr txBox="1"/>
+            <p:nvPr/>
+          </p:nvSpPr>
+          <p:spPr>
+            <a:xfrm>
+              <a:off x="3563888" y="4016097"/>
+              <a:ext cx="2152078" cy="276999"/>
+            </a:xfrm>
+            <a:prstGeom prst="rect">
+              <a:avLst/>
+            </a:prstGeom>
+            <a:noFill/>
+          </p:spPr>
+          <p:txBody>
+            <a:bodyPr wrap="square" rtlCol="0">
+              <a:spAutoFit/>
+            </a:bodyPr>
+            <a:lstStyle/>
+            <a:p>
+              <a:pPr algn="ctr"/>
+              <a:r>
+                <a:rPr lang="en-US" altLang="ko-KR" sz="1200" b="1" dirty="0"/>
+                <a:t>AdaBoost</a:t>
+              </a:r>
+              <a:endParaRPr lang="ko-KR" altLang="en-US" sz="1200" b="1" dirty="0"/>
+            </a:p>
+          </p:txBody>
+        </p:sp>
+      </p:grpSp>
+    </p:spTree>
+    <p:extLst>
+      <p:ext uri="{BB962C8B-B14F-4D97-AF65-F5344CB8AC3E}">
+        <p14:creationId xmlns:p14="http://schemas.microsoft.com/office/powerpoint/2010/main" val="3957347066"/>
+      </p:ext>
+    </p:extLst>
+  </p:cSld>
+  <p:clrMapOvr>
+    <a:masterClrMapping/>
+  </p:clrMapOvr>
+</p:sld>
+</file>
+
+<file path=ppt/slides/slide13.xml><?xml version="1.0" encoding="utf-8"?>
+<p:sld xmlns:a="http://schemas.openxmlformats.org/drawingml/2006/main" xmlns:r="http://schemas.openxmlformats.org/officeDocument/2006/relationships" xmlns:p="http://schemas.openxmlformats.org/presentationml/2006/main">
+  <p:cSld>
+    <p:bg>
+      <p:bgPr>
+        <a:solidFill>
+          <a:schemeClr val="tx2">
+            <a:lumMod val="75000"/>
+          </a:schemeClr>
+        </a:solidFill>
+        <a:effectLst/>
+      </p:bgPr>
+    </p:bg>
+    <p:spTree>
+      <p:nvGrpSpPr>
+        <p:cNvPr id="1" name=""/>
+        <p:cNvGrpSpPr/>
+        <p:nvPr/>
+      </p:nvGrpSpPr>
+      <p:grpSpPr>
+        <a:xfrm>
+          <a:off x="0" y="0"/>
+          <a:ext cx="0" cy="0"/>
+          <a:chOff x="0" y="0"/>
+          <a:chExt cx="0" cy="0"/>
+        </a:xfrm>
+      </p:grpSpPr>
+      <p:sp>
+        <p:nvSpPr>
+          <p:cNvPr id="2" name="직사각형 1"/>
+          <p:cNvSpPr/>
+          <p:nvPr/>
+        </p:nvSpPr>
+        <p:spPr>
+          <a:xfrm>
+            <a:off x="251520" y="620688"/>
+            <a:ext cx="8640960" cy="5976664"/>
+          </a:xfrm>
+          <a:prstGeom prst="rect">
+            <a:avLst/>
+          </a:prstGeom>
+          <a:solidFill>
+            <a:schemeClr val="bg1"/>
+          </a:solidFill>
+          <a:ln>
+            <a:noFill/>
+          </a:ln>
+        </p:spPr>
+        <p:style>
+          <a:lnRef idx="2">
+            <a:schemeClr val="accent1">
+              <a:shade val="50000"/>
+            </a:schemeClr>
+          </a:lnRef>
+          <a:fillRef idx="1">
+            <a:schemeClr val="accent1"/>
+          </a:fillRef>
+          <a:effectRef idx="0">
+            <a:schemeClr val="accent1"/>
+          </a:effectRef>
+          <a:fontRef idx="minor">
+            <a:schemeClr val="lt1"/>
+          </a:fontRef>
+        </p:style>
+        <p:txBody>
+          <a:bodyPr rtlCol="0" anchor="ctr"/>
+          <a:lstStyle/>
+          <a:p>
+            <a:pPr algn="ctr"/>
+            <a:endParaRPr lang="ko-KR" altLang="en-US"/>
+          </a:p>
+        </p:txBody>
+      </p:sp>
+      <p:sp>
+        <p:nvSpPr>
+          <p:cNvPr id="3" name="타원 2"/>
+          <p:cNvSpPr/>
+          <p:nvPr/>
+        </p:nvSpPr>
+        <p:spPr>
+          <a:xfrm>
+            <a:off x="4067944" y="74100"/>
+            <a:ext cx="936104" cy="936104"/>
+          </a:xfrm>
+          <a:prstGeom prst="ellipse">
+            <a:avLst/>
+          </a:prstGeom>
+          <a:solidFill>
+            <a:schemeClr val="tx2">
+              <a:lumMod val="75000"/>
+            </a:schemeClr>
+          </a:solidFill>
+          <a:ln>
+            <a:noFill/>
+          </a:ln>
+        </p:spPr>
+        <p:style>
+          <a:lnRef idx="2">
+            <a:schemeClr val="accent1">
+              <a:shade val="50000"/>
+            </a:schemeClr>
+          </a:lnRef>
+          <a:fillRef idx="1">
+            <a:schemeClr val="accent1"/>
+          </a:fillRef>
+          <a:effectRef idx="0">
+            <a:schemeClr val="accent1"/>
+          </a:effectRef>
+          <a:fontRef idx="minor">
+            <a:schemeClr val="lt1"/>
+          </a:fontRef>
+        </p:style>
+        <p:txBody>
+          <a:bodyPr rtlCol="0" anchor="ctr"/>
+          <a:lstStyle/>
+          <a:p>
+            <a:pPr algn="ctr"/>
+            <a:endParaRPr lang="ko-KR" altLang="en-US"/>
+          </a:p>
+        </p:txBody>
+      </p:sp>
+      <p:sp>
+        <p:nvSpPr>
+          <p:cNvPr id="8" name="직사각형 7"/>
+          <p:cNvSpPr/>
+          <p:nvPr/>
+        </p:nvSpPr>
+        <p:spPr>
+          <a:xfrm>
+            <a:off x="260710" y="141014"/>
+            <a:ext cx="1362874" cy="400110"/>
+          </a:xfrm>
+          <a:prstGeom prst="rect">
+            <a:avLst/>
+          </a:prstGeom>
+        </p:spPr>
+        <p:txBody>
+          <a:bodyPr wrap="none">
+            <a:spAutoFit/>
+          </a:bodyPr>
+          <a:lstStyle/>
+          <a:p>
+            <a:pPr algn="ctr"/>
+            <a:r>
+              <a:rPr lang="en-US" altLang="ko-KR" sz="2000" b="1" spc="-150" dirty="0">
+                <a:solidFill>
+                  <a:schemeClr val="bg1"/>
+                </a:solidFill>
+              </a:rPr>
+              <a:t>5. Boosting</a:t>
+            </a:r>
+            <a:endParaRPr lang="ko-KR" altLang="en-US" sz="2000" b="1" spc="-150" dirty="0">
+              <a:solidFill>
+                <a:schemeClr val="bg1"/>
+              </a:solidFill>
+            </a:endParaRPr>
+          </a:p>
+        </p:txBody>
+      </p:sp>
+      <p:sp>
+        <p:nvSpPr>
+          <p:cNvPr id="9" name="TextBox 8"/>
+          <p:cNvSpPr txBox="1"/>
+          <p:nvPr/>
+        </p:nvSpPr>
+        <p:spPr>
+          <a:xfrm>
+            <a:off x="3995936" y="479095"/>
+            <a:ext cx="1080120" cy="461665"/>
+          </a:xfrm>
+          <a:prstGeom prst="rect">
+            <a:avLst/>
+          </a:prstGeom>
+          <a:noFill/>
+        </p:spPr>
+        <p:txBody>
+          <a:bodyPr wrap="square" rtlCol="0">
+            <a:spAutoFit/>
+          </a:bodyPr>
+          <a:lstStyle/>
+          <a:p>
+            <a:pPr algn="ctr"/>
+            <a:r>
+              <a:rPr lang="en-US" altLang="ko-KR" sz="2400" dirty="0">
+                <a:solidFill>
+                  <a:schemeClr val="bg1"/>
+                </a:solidFill>
+                <a:latin typeface="HY헤드라인M" pitchFamily="18" charset="-127"/>
+                <a:ea typeface="HY헤드라인M" pitchFamily="18" charset="-127"/>
+              </a:rPr>
+              <a:t>05</a:t>
+            </a:r>
+            <a:endParaRPr lang="ko-KR" altLang="en-US" sz="2400" dirty="0">
+              <a:solidFill>
+                <a:schemeClr val="bg1"/>
+              </a:solidFill>
+              <a:latin typeface="HY헤드라인M" pitchFamily="18" charset="-127"/>
+              <a:ea typeface="HY헤드라인M" pitchFamily="18" charset="-127"/>
+            </a:endParaRPr>
+          </a:p>
+        </p:txBody>
+      </p:sp>
+      <p:sp>
+        <p:nvSpPr>
+          <p:cNvPr id="12" name="TextBox 11"/>
+          <p:cNvSpPr txBox="1"/>
+          <p:nvPr/>
+        </p:nvSpPr>
+        <p:spPr>
+          <a:xfrm>
+            <a:off x="5364088" y="271681"/>
+            <a:ext cx="3600400" cy="276999"/>
+          </a:xfrm>
+          <a:prstGeom prst="rect">
+            <a:avLst/>
+          </a:prstGeom>
+          <a:noFill/>
+        </p:spPr>
+        <p:txBody>
+          <a:bodyPr wrap="square" rtlCol="0">
+            <a:spAutoFit/>
+          </a:bodyPr>
+          <a:lstStyle/>
+          <a:p>
+            <a:pPr algn="dist"/>
+            <a:r>
+              <a:rPr lang="en-US" altLang="ko-KR" sz="1200" b="1" dirty="0">
+                <a:solidFill>
+                  <a:schemeClr val="bg1"/>
+                </a:solidFill>
+              </a:rPr>
+              <a:t>ML </a:t>
+            </a:r>
+            <a:r>
+              <a:rPr lang="ko-KR" altLang="en-US" sz="1200" b="1" dirty="0">
+                <a:solidFill>
+                  <a:schemeClr val="bg1"/>
+                </a:solidFill>
+              </a:rPr>
+              <a:t> </a:t>
+            </a:r>
+            <a:r>
+              <a:rPr lang="en-US" altLang="ko-KR" sz="1200" b="1" dirty="0">
+                <a:solidFill>
+                  <a:schemeClr val="bg1"/>
+                </a:solidFill>
+              </a:rPr>
+              <a:t>Ensemble Learning</a:t>
+            </a:r>
+            <a:endParaRPr lang="ko-KR" altLang="en-US" sz="1200" b="1" dirty="0">
+              <a:solidFill>
+                <a:schemeClr val="bg1"/>
+              </a:solidFill>
+            </a:endParaRPr>
+          </a:p>
+        </p:txBody>
+      </p:sp>
+      <mc:AlternateContent xmlns:mc="http://schemas.openxmlformats.org/markup-compatibility/2006">
+        <mc:Choice xmlns:a14="http://schemas.microsoft.com/office/drawing/2010/main" Requires="a14">
+          <p:sp>
+            <p:nvSpPr>
+              <p:cNvPr id="4" name="TextBox 3">
+                <a:extLst>
+                  <a:ext uri="{FF2B5EF4-FFF2-40B4-BE49-F238E27FC236}">
+                    <a16:creationId xmlns:a16="http://schemas.microsoft.com/office/drawing/2014/main" id="{FAE05800-41DD-415A-8EF6-9E894C804E92}"/>
+                  </a:ext>
+                </a:extLst>
+              </p:cNvPr>
+              <p:cNvSpPr txBox="1"/>
+              <p:nvPr/>
+            </p:nvSpPr>
+            <p:spPr>
+              <a:xfrm>
+                <a:off x="539552" y="1075206"/>
+                <a:ext cx="7992888" cy="5520101"/>
+              </a:xfrm>
+              <a:prstGeom prst="rect">
+                <a:avLst/>
+              </a:prstGeom>
+              <a:noFill/>
+            </p:spPr>
+            <p:txBody>
+              <a:bodyPr wrap="square" rtlCol="0">
+                <a:spAutoFit/>
+              </a:bodyPr>
+              <a:lstStyle/>
+              <a:p>
+                <a:r>
+                  <a:rPr lang="en-US" altLang="ko-KR" sz="2400" b="1" dirty="0"/>
+                  <a:t>AdaBoost(2)</a:t>
+                </a:r>
+                <a:endParaRPr lang="en-US" altLang="ko-KR" b="1" dirty="0"/>
+              </a:p>
+              <a:p>
+                <a:endParaRPr lang="en-US" altLang="ko-KR" b="1" dirty="0"/>
+              </a:p>
+              <a:p>
+                <a:endParaRPr lang="en-US" altLang="ko-KR" sz="1200" b="1" dirty="0"/>
+              </a:p>
+              <a:p>
+                <a:endParaRPr lang="en-US" altLang="ko-KR" sz="1200" b="1" dirty="0"/>
+              </a:p>
+              <a:p>
+                <a:endParaRPr lang="en-US" altLang="ko-KR" sz="1200" b="1" dirty="0"/>
+              </a:p>
+              <a:p>
+                <a:endParaRPr lang="en-US" altLang="ko-KR" sz="1200" b="1" dirty="0"/>
+              </a:p>
+              <a:p>
+                <a:endParaRPr lang="en-US" altLang="ko-KR" sz="1200" b="1" dirty="0"/>
+              </a:p>
+              <a:p>
+                <a:endParaRPr lang="en-US" altLang="ko-KR" sz="1200" b="1" dirty="0"/>
+              </a:p>
+              <a:p>
+                <a:endParaRPr lang="en-US" altLang="ko-KR" sz="1200" b="1" dirty="0"/>
+              </a:p>
+              <a:p>
+                <a:endParaRPr lang="en-US" altLang="ko-KR" sz="1200" b="1" dirty="0"/>
+              </a:p>
+              <a:p>
+                <a:endParaRPr lang="en-US" altLang="ko-KR" sz="1200" b="1" dirty="0"/>
+              </a:p>
+              <a:p>
+                <a:endParaRPr lang="en-US" altLang="ko-KR" sz="1200" b="1" dirty="0"/>
+              </a:p>
+              <a:p>
+                <a:endParaRPr lang="en-US" altLang="ko-KR" sz="800" b="1" dirty="0"/>
+              </a:p>
+              <a:p>
+                <a:pPr marL="285750" indent="-285750">
+                  <a:buFontTx/>
+                  <a:buChar char="-"/>
+                </a:pPr>
+                <a:r>
+                  <a:rPr lang="ko-KR" altLang="en-US" b="1" dirty="0"/>
+                  <a:t>처음 각 샘플의 가중치는 </a:t>
+                </a:r>
+                <a14:m>
+                  <m:oMath xmlns:m="http://schemas.openxmlformats.org/officeDocument/2006/math">
+                    <m:f>
+                      <m:fPr>
+                        <m:type m:val="skw"/>
+                        <m:ctrlPr>
+                          <a:rPr lang="en-US" altLang="ko-KR" b="1" i="1" smtClean="0">
+                            <a:latin typeface="Cambria Math" panose="02040503050406030204" pitchFamily="18" charset="0"/>
+                          </a:rPr>
+                        </m:ctrlPr>
+                      </m:fPr>
+                      <m:num>
+                        <m:r>
+                          <a:rPr lang="en-US" altLang="ko-KR" b="1" i="1" smtClean="0">
+                            <a:latin typeface="Cambria Math" panose="02040503050406030204" pitchFamily="18" charset="0"/>
+                          </a:rPr>
+                          <m:t>𝟏</m:t>
+                        </m:r>
+                      </m:num>
+                      <m:den>
+                        <m:r>
+                          <a:rPr lang="en-US" altLang="ko-KR" b="1" i="1" smtClean="0">
+                            <a:latin typeface="Cambria Math" panose="02040503050406030204" pitchFamily="18" charset="0"/>
+                          </a:rPr>
+                          <m:t>𝒎</m:t>
+                        </m:r>
+                      </m:den>
+                    </m:f>
+                    <m:r>
+                      <a:rPr lang="en-US" altLang="ko-KR" b="1" i="0" smtClean="0">
+                        <a:latin typeface="Cambria Math" panose="02040503050406030204" pitchFamily="18" charset="0"/>
+                      </a:rPr>
+                      <m:t> </m:t>
+                    </m:r>
+                  </m:oMath>
+                </a14:m>
+                <a:r>
+                  <a:rPr lang="ko-KR" altLang="en-US" b="1" dirty="0"/>
+                  <a:t>로 초기화 된다</a:t>
+                </a:r>
+                <a:r>
+                  <a:rPr lang="en-US" altLang="ko-KR" b="1" dirty="0"/>
+                  <a:t>.</a:t>
+                </a:r>
+              </a:p>
+              <a:p>
+                <a:pPr marL="285750" indent="-285750">
+                  <a:buFontTx/>
+                  <a:buChar char="-"/>
+                </a:pPr>
+                <a:endParaRPr lang="en-US" altLang="ko-KR" b="1" dirty="0"/>
+              </a:p>
+              <a:p>
+                <a:pPr marL="285750" indent="-285750">
+                  <a:buFontTx/>
+                  <a:buChar char="-"/>
+                </a:pPr>
+                <a:r>
+                  <a:rPr lang="ko-KR" altLang="en-US" b="1" dirty="0"/>
+                  <a:t>개별 예측기의 학습이 완료되면</a:t>
+                </a:r>
+                <a:r>
+                  <a:rPr lang="en-US" altLang="ko-KR" b="1" dirty="0"/>
+                  <a:t>, </a:t>
+                </a:r>
+                <a:r>
+                  <a:rPr lang="ko-KR" altLang="en-US" b="1" dirty="0"/>
+                  <a:t>그 예측기에 대한 에러율을 구한다</a:t>
+                </a:r>
+                <a:r>
+                  <a:rPr lang="en-US" altLang="ko-KR" b="1" dirty="0"/>
+                  <a:t>.</a:t>
+                </a:r>
+              </a:p>
+              <a:p>
+                <a:pPr marL="285750" indent="-285750">
+                  <a:buFontTx/>
+                  <a:buChar char="-"/>
+                </a:pPr>
+                <a:endParaRPr lang="en-US" altLang="ko-KR" b="1" dirty="0"/>
+              </a:p>
+              <a:p>
+                <a:pPr marL="285750" indent="-285750">
+                  <a:buFontTx/>
+                  <a:buChar char="-"/>
+                </a:pPr>
+                <a:r>
+                  <a:rPr lang="ko-KR" altLang="en-US" b="1" dirty="0"/>
+                  <a:t>에러율을 이용해서 해당 예측기에 대한 가중치를 구한다</a:t>
+                </a:r>
+                <a:r>
+                  <a:rPr lang="en-US" altLang="ko-KR" b="1" dirty="0"/>
+                  <a:t>. </a:t>
+                </a:r>
+                <a:r>
+                  <a:rPr lang="ko-KR" altLang="en-US" b="1" dirty="0"/>
+                  <a:t>가중치는 예측기가 정확할수록 높아지고</a:t>
+                </a:r>
+                <a:r>
+                  <a:rPr lang="en-US" altLang="ko-KR" b="1" dirty="0"/>
+                  <a:t>, </a:t>
+                </a:r>
+                <a:r>
+                  <a:rPr lang="ko-KR" altLang="en-US" b="1" dirty="0"/>
+                  <a:t>성능이 좋지 않으면</a:t>
+                </a:r>
+                <a:r>
+                  <a:rPr lang="en-US" altLang="ko-KR" b="1" dirty="0"/>
+                  <a:t>(</a:t>
+                </a:r>
+                <a14:m>
+                  <m:oMath xmlns:m="http://schemas.openxmlformats.org/officeDocument/2006/math">
+                    <m:sSub>
+                      <m:sSubPr>
+                        <m:ctrlPr>
+                          <a:rPr lang="en-US" altLang="ko-KR" b="1" i="1" smtClean="0">
+                            <a:latin typeface="Cambria Math" panose="02040503050406030204" pitchFamily="18" charset="0"/>
+                          </a:rPr>
+                        </m:ctrlPr>
+                      </m:sSubPr>
+                      <m:e>
+                        <m:r>
+                          <a:rPr lang="en-US" altLang="ko-KR" b="1" i="1" smtClean="0">
+                            <a:latin typeface="Cambria Math" panose="02040503050406030204" pitchFamily="18" charset="0"/>
+                          </a:rPr>
+                          <m:t>𝒓</m:t>
+                        </m:r>
+                      </m:e>
+                      <m:sub>
+                        <m:r>
+                          <a:rPr lang="en-US" altLang="ko-KR" b="1" i="1" smtClean="0">
+                            <a:latin typeface="Cambria Math" panose="02040503050406030204" pitchFamily="18" charset="0"/>
+                          </a:rPr>
+                          <m:t>𝒋</m:t>
+                        </m:r>
+                      </m:sub>
+                    </m:sSub>
+                    <m:r>
+                      <a:rPr lang="en-US" altLang="ko-KR" b="1" i="1" smtClean="0">
+                        <a:latin typeface="Cambria Math" panose="02040503050406030204" pitchFamily="18" charset="0"/>
+                      </a:rPr>
+                      <m:t>&gt;</m:t>
+                    </m:r>
+                    <m:r>
+                      <a:rPr lang="en-US" altLang="ko-KR" b="1" i="1" smtClean="0">
+                        <a:latin typeface="Cambria Math" panose="02040503050406030204" pitchFamily="18" charset="0"/>
+                      </a:rPr>
+                      <m:t>𝟎</m:t>
+                    </m:r>
+                    <m:r>
+                      <a:rPr lang="en-US" altLang="ko-KR" b="1" i="1" smtClean="0">
+                        <a:latin typeface="Cambria Math" panose="02040503050406030204" pitchFamily="18" charset="0"/>
+                      </a:rPr>
+                      <m:t>.</m:t>
+                    </m:r>
+                    <m:r>
+                      <a:rPr lang="en-US" altLang="ko-KR" b="1" i="1" smtClean="0">
+                        <a:latin typeface="Cambria Math" panose="02040503050406030204" pitchFamily="18" charset="0"/>
+                      </a:rPr>
+                      <m:t>𝟓</m:t>
+                    </m:r>
+                  </m:oMath>
+                </a14:m>
+                <a:r>
+                  <a:rPr lang="en-US" altLang="ko-KR" b="1" dirty="0"/>
+                  <a:t>) </a:t>
+                </a:r>
+                <a:r>
+                  <a:rPr lang="ko-KR" altLang="en-US" b="1" dirty="0"/>
+                  <a:t>음수가 되기도 한다</a:t>
+                </a:r>
+                <a:r>
+                  <a:rPr lang="en-US" altLang="ko-KR" b="1" dirty="0"/>
+                  <a:t>.</a:t>
+                </a:r>
+              </a:p>
+              <a:p>
+                <a:pPr marL="285750" indent="-285750">
+                  <a:buFontTx/>
+                  <a:buChar char="-"/>
+                </a:pPr>
+                <a:endParaRPr lang="en-US" altLang="ko-KR" b="1" dirty="0"/>
+              </a:p>
+              <a:p>
+                <a:pPr marL="285750" indent="-285750">
+                  <a:buFontTx/>
+                  <a:buChar char="-"/>
+                </a:pPr>
+                <a:r>
+                  <a:rPr lang="ko-KR" altLang="en-US" b="1" dirty="0"/>
+                  <a:t>잘 못 분류된 샘플에 대해 가중치를 업데이트한다</a:t>
+                </a:r>
+                <a:r>
+                  <a:rPr lang="en-US" altLang="ko-KR" b="1" dirty="0"/>
+                  <a:t>. </a:t>
+                </a:r>
+                <a:r>
+                  <a:rPr lang="ko-KR" altLang="en-US" b="1" dirty="0"/>
+                  <a:t>잘 못 분류된 샘플의 가중치가 증가된다</a:t>
+                </a:r>
+                <a:r>
+                  <a:rPr lang="en-US" altLang="ko-KR" b="1" dirty="0"/>
+                  <a:t>.</a:t>
+                </a:r>
+              </a:p>
+            </p:txBody>
+          </p:sp>
+        </mc:Choice>
+        <mc:Fallback>
+          <p:sp>
+            <p:nvSpPr>
+              <p:cNvPr id="4" name="TextBox 3">
+                <a:extLst>
+                  <a:ext uri="{FF2B5EF4-FFF2-40B4-BE49-F238E27FC236}">
+                    <a16:creationId xmlns:a16="http://schemas.microsoft.com/office/drawing/2014/main" id="{FAE05800-41DD-415A-8EF6-9E894C804E92}"/>
+                  </a:ext>
+                </a:extLst>
+              </p:cNvPr>
+              <p:cNvSpPr txBox="1">
+                <a:spLocks noRot="1" noChangeAspect="1" noMove="1" noResize="1" noEditPoints="1" noAdjustHandles="1" noChangeArrowheads="1" noChangeShapeType="1" noTextEdit="1"/>
+              </p:cNvSpPr>
+              <p:nvPr/>
+            </p:nvSpPr>
+            <p:spPr>
+              <a:xfrm>
+                <a:off x="539552" y="1075206"/>
+                <a:ext cx="7992888" cy="5520101"/>
+              </a:xfrm>
+              <a:prstGeom prst="rect">
+                <a:avLst/>
+              </a:prstGeom>
+              <a:blipFill>
+                <a:blip r:embed="rId3"/>
+                <a:stretch>
+                  <a:fillRect l="-1220" t="-883" b="-442"/>
+                </a:stretch>
+              </a:blipFill>
+            </p:spPr>
+            <p:txBody>
+              <a:bodyPr/>
+              <a:lstStyle/>
+              <a:p>
+                <a:r>
+                  <a:rPr lang="ko-KR" altLang="en-US">
+                    <a:noFill/>
+                  </a:rPr>
+                  <a:t> </a:t>
+                </a:r>
+              </a:p>
+            </p:txBody>
+          </p:sp>
+        </mc:Fallback>
+      </mc:AlternateContent>
+      <p:grpSp>
+        <p:nvGrpSpPr>
+          <p:cNvPr id="24" name="그룹 23">
+            <a:extLst>
+              <a:ext uri="{FF2B5EF4-FFF2-40B4-BE49-F238E27FC236}">
+                <a16:creationId xmlns:a16="http://schemas.microsoft.com/office/drawing/2014/main" id="{79C958F1-4AFE-4974-B486-34D2B4D73564}"/>
+              </a:ext>
+            </a:extLst>
+          </p:cNvPr>
+          <p:cNvGrpSpPr/>
+          <p:nvPr/>
+        </p:nvGrpSpPr>
+        <p:grpSpPr>
+          <a:xfrm>
+            <a:off x="827584" y="1628800"/>
+            <a:ext cx="7601640" cy="1743156"/>
+            <a:chOff x="827584" y="1700808"/>
+            <a:chExt cx="7601640" cy="1743156"/>
+          </a:xfrm>
+        </p:grpSpPr>
+        <p:pic>
+          <p:nvPicPr>
+            <p:cNvPr id="16" name="그림 15">
+              <a:extLst>
+                <a:ext uri="{FF2B5EF4-FFF2-40B4-BE49-F238E27FC236}">
+                  <a16:creationId xmlns:a16="http://schemas.microsoft.com/office/drawing/2014/main" id="{E6BD5CF8-E1EA-499D-AE4E-23EB947ACC7C}"/>
+                </a:ext>
+              </a:extLst>
+            </p:cNvPr>
+            <p:cNvPicPr>
+              <a:picLocks noChangeAspect="1"/>
+            </p:cNvPicPr>
+            <p:nvPr/>
+          </p:nvPicPr>
+          <p:blipFill>
+            <a:blip r:embed="rId4"/>
+            <a:stretch>
+              <a:fillRect/>
+            </a:stretch>
+          </p:blipFill>
+          <p:spPr>
+            <a:xfrm>
+              <a:off x="3152944" y="2105676"/>
+              <a:ext cx="1438476" cy="628738"/>
+            </a:xfrm>
+            <a:prstGeom prst="rect">
+              <a:avLst/>
+            </a:prstGeom>
+          </p:spPr>
+        </p:pic>
+        <p:pic>
+          <p:nvPicPr>
+            <p:cNvPr id="18" name="그림 17">
+              <a:extLst>
+                <a:ext uri="{FF2B5EF4-FFF2-40B4-BE49-F238E27FC236}">
+                  <a16:creationId xmlns:a16="http://schemas.microsoft.com/office/drawing/2014/main" id="{730DA579-A1C0-4255-913E-03D20B134D8F}"/>
+                </a:ext>
+              </a:extLst>
+            </p:cNvPr>
+            <p:cNvPicPr>
+              <a:picLocks noChangeAspect="1"/>
+            </p:cNvPicPr>
+            <p:nvPr/>
+          </p:nvPicPr>
+          <p:blipFill>
+            <a:blip r:embed="rId5"/>
+            <a:stretch>
+              <a:fillRect/>
+            </a:stretch>
+          </p:blipFill>
+          <p:spPr>
+            <a:xfrm>
+              <a:off x="1115616" y="1700808"/>
+              <a:ext cx="1381318" cy="1438476"/>
+            </a:xfrm>
+            <a:prstGeom prst="rect">
+              <a:avLst/>
+            </a:prstGeom>
+          </p:spPr>
+        </p:pic>
+        <p:pic>
+          <p:nvPicPr>
+            <p:cNvPr id="20" name="그림 19">
+              <a:extLst>
+                <a:ext uri="{FF2B5EF4-FFF2-40B4-BE49-F238E27FC236}">
+                  <a16:creationId xmlns:a16="http://schemas.microsoft.com/office/drawing/2014/main" id="{61ED91F5-C2FF-4830-96A8-291A2FEEA96D}"/>
+                </a:ext>
+              </a:extLst>
+            </p:cNvPr>
+            <p:cNvPicPr>
+              <a:picLocks noChangeAspect="1"/>
+            </p:cNvPicPr>
+            <p:nvPr/>
+          </p:nvPicPr>
+          <p:blipFill>
+            <a:blip r:embed="rId6"/>
+            <a:stretch>
+              <a:fillRect/>
+            </a:stretch>
+          </p:blipFill>
+          <p:spPr>
+            <a:xfrm>
+              <a:off x="5247430" y="1967545"/>
+              <a:ext cx="3181794" cy="905001"/>
+            </a:xfrm>
+            <a:prstGeom prst="rect">
+              <a:avLst/>
+            </a:prstGeom>
+          </p:spPr>
+        </p:pic>
+        <p:sp>
+          <p:nvSpPr>
+            <p:cNvPr id="21" name="TextBox 20">
+              <a:extLst>
+                <a:ext uri="{FF2B5EF4-FFF2-40B4-BE49-F238E27FC236}">
+                  <a16:creationId xmlns:a16="http://schemas.microsoft.com/office/drawing/2014/main" id="{62FD4D57-767D-44A2-8922-6743686F4B84}"/>
+                </a:ext>
+              </a:extLst>
+            </p:cNvPr>
+            <p:cNvSpPr txBox="1"/>
+            <p:nvPr/>
+          </p:nvSpPr>
+          <p:spPr>
+            <a:xfrm>
+              <a:off x="827584" y="3142377"/>
+              <a:ext cx="2152078" cy="276999"/>
+            </a:xfrm>
+            <a:prstGeom prst="rect">
+              <a:avLst/>
+            </a:prstGeom>
+            <a:noFill/>
+          </p:spPr>
+          <p:txBody>
+            <a:bodyPr wrap="square" rtlCol="0">
+              <a:spAutoFit/>
+            </a:bodyPr>
+            <a:lstStyle/>
+            <a:p>
+              <a:pPr algn="ctr"/>
+              <a:r>
+                <a:rPr lang="ko-KR" altLang="en-US" sz="1200" b="1" dirty="0"/>
+                <a:t>예측기의 </a:t>
+              </a:r>
+              <a:r>
+                <a:rPr lang="ko-KR" altLang="en-US" sz="1200" b="1" dirty="0" err="1"/>
+                <a:t>에러율</a:t>
+              </a:r>
+              <a:endParaRPr lang="ko-KR" altLang="en-US" sz="1200" b="1" dirty="0"/>
+            </a:p>
+          </p:txBody>
+        </p:sp>
+        <p:sp>
+          <p:nvSpPr>
+            <p:cNvPr id="22" name="TextBox 21">
+              <a:extLst>
+                <a:ext uri="{FF2B5EF4-FFF2-40B4-BE49-F238E27FC236}">
+                  <a16:creationId xmlns:a16="http://schemas.microsoft.com/office/drawing/2014/main" id="{44F967E1-7B46-40F5-9AFA-9E81FBFCA2BA}"/>
+                </a:ext>
+              </a:extLst>
+            </p:cNvPr>
+            <p:cNvSpPr txBox="1"/>
+            <p:nvPr/>
+          </p:nvSpPr>
+          <p:spPr>
+            <a:xfrm>
+              <a:off x="2796143" y="3166965"/>
+              <a:ext cx="2152078" cy="276999"/>
+            </a:xfrm>
+            <a:prstGeom prst="rect">
+              <a:avLst/>
+            </a:prstGeom>
+            <a:noFill/>
+          </p:spPr>
+          <p:txBody>
+            <a:bodyPr wrap="square" rtlCol="0">
+              <a:spAutoFit/>
+            </a:bodyPr>
+            <a:lstStyle/>
+            <a:p>
+              <a:pPr algn="ctr"/>
+              <a:r>
+                <a:rPr lang="ko-KR" altLang="en-US" sz="1200" b="1" dirty="0"/>
+                <a:t>예측기의 가중치</a:t>
+              </a:r>
+            </a:p>
+          </p:txBody>
+        </p:sp>
+        <p:sp>
+          <p:nvSpPr>
+            <p:cNvPr id="23" name="TextBox 22">
+              <a:extLst>
+                <a:ext uri="{FF2B5EF4-FFF2-40B4-BE49-F238E27FC236}">
+                  <a16:creationId xmlns:a16="http://schemas.microsoft.com/office/drawing/2014/main" id="{BEE6629F-6545-4F1F-A943-0F5A810FD1EB}"/>
+                </a:ext>
+              </a:extLst>
+            </p:cNvPr>
+            <p:cNvSpPr txBox="1"/>
+            <p:nvPr/>
+          </p:nvSpPr>
+          <p:spPr>
+            <a:xfrm>
+              <a:off x="6088249" y="3142377"/>
+              <a:ext cx="2152078" cy="276999"/>
+            </a:xfrm>
+            <a:prstGeom prst="rect">
+              <a:avLst/>
+            </a:prstGeom>
+            <a:noFill/>
+          </p:spPr>
+          <p:txBody>
+            <a:bodyPr wrap="square" rtlCol="0">
+              <a:spAutoFit/>
+            </a:bodyPr>
+            <a:lstStyle/>
+            <a:p>
+              <a:pPr algn="ctr"/>
+              <a:r>
+                <a:rPr lang="ko-KR" altLang="en-US" sz="1200" b="1" dirty="0"/>
+                <a:t>샘플 가중치 업데이트</a:t>
+              </a:r>
+            </a:p>
+          </p:txBody>
+        </p:sp>
+      </p:grpSp>
+    </p:spTree>
+    <p:extLst>
+      <p:ext uri="{BB962C8B-B14F-4D97-AF65-F5344CB8AC3E}">
+        <p14:creationId xmlns:p14="http://schemas.microsoft.com/office/powerpoint/2010/main" val="3007552324"/>
+      </p:ext>
+    </p:extLst>
+  </p:cSld>
+  <p:clrMapOvr>
+    <a:masterClrMapping/>
+  </p:clrMapOvr>
+</p:sld>
+</file>
+
+<file path=ppt/slides/slide14.xml><?xml version="1.0" encoding="utf-8"?>
+<p:sld xmlns:a="http://schemas.openxmlformats.org/drawingml/2006/main" xmlns:r="http://schemas.openxmlformats.org/officeDocument/2006/relationships" xmlns:p="http://schemas.openxmlformats.org/presentationml/2006/main">
+  <p:cSld>
+    <p:bg>
+      <p:bgPr>
+        <a:solidFill>
+          <a:schemeClr val="tx2">
+            <a:lumMod val="75000"/>
+          </a:schemeClr>
+        </a:solidFill>
+        <a:effectLst/>
+      </p:bgPr>
+    </p:bg>
+    <p:spTree>
+      <p:nvGrpSpPr>
+        <p:cNvPr id="1" name=""/>
+        <p:cNvGrpSpPr/>
+        <p:nvPr/>
+      </p:nvGrpSpPr>
+      <p:grpSpPr>
+        <a:xfrm>
+          <a:off x="0" y="0"/>
+          <a:ext cx="0" cy="0"/>
+          <a:chOff x="0" y="0"/>
+          <a:chExt cx="0" cy="0"/>
+        </a:xfrm>
+      </p:grpSpPr>
+      <p:sp>
+        <p:nvSpPr>
+          <p:cNvPr id="2" name="직사각형 1"/>
+          <p:cNvSpPr/>
+          <p:nvPr/>
+        </p:nvSpPr>
+        <p:spPr>
+          <a:xfrm>
+            <a:off x="251520" y="620688"/>
+            <a:ext cx="8640960" cy="5976664"/>
+          </a:xfrm>
+          <a:prstGeom prst="rect">
+            <a:avLst/>
+          </a:prstGeom>
+          <a:solidFill>
+            <a:schemeClr val="bg1"/>
+          </a:solidFill>
+          <a:ln>
+            <a:noFill/>
+          </a:ln>
+        </p:spPr>
+        <p:style>
+          <a:lnRef idx="2">
+            <a:schemeClr val="accent1">
+              <a:shade val="50000"/>
+            </a:schemeClr>
+          </a:lnRef>
+          <a:fillRef idx="1">
+            <a:schemeClr val="accent1"/>
+          </a:fillRef>
+          <a:effectRef idx="0">
+            <a:schemeClr val="accent1"/>
+          </a:effectRef>
+          <a:fontRef idx="minor">
+            <a:schemeClr val="lt1"/>
+          </a:fontRef>
+        </p:style>
+        <p:txBody>
+          <a:bodyPr rtlCol="0" anchor="ctr"/>
+          <a:lstStyle/>
+          <a:p>
+            <a:pPr algn="ctr"/>
+            <a:endParaRPr lang="ko-KR" altLang="en-US"/>
+          </a:p>
+        </p:txBody>
+      </p:sp>
+      <p:sp>
+        <p:nvSpPr>
+          <p:cNvPr id="3" name="타원 2"/>
+          <p:cNvSpPr/>
+          <p:nvPr/>
+        </p:nvSpPr>
+        <p:spPr>
+          <a:xfrm>
+            <a:off x="4067944" y="74100"/>
+            <a:ext cx="936104" cy="936104"/>
+          </a:xfrm>
+          <a:prstGeom prst="ellipse">
+            <a:avLst/>
+          </a:prstGeom>
+          <a:solidFill>
+            <a:schemeClr val="tx2">
+              <a:lumMod val="75000"/>
+            </a:schemeClr>
+          </a:solidFill>
+          <a:ln>
+            <a:noFill/>
+          </a:ln>
+        </p:spPr>
+        <p:style>
+          <a:lnRef idx="2">
+            <a:schemeClr val="accent1">
+              <a:shade val="50000"/>
+            </a:schemeClr>
+          </a:lnRef>
+          <a:fillRef idx="1">
+            <a:schemeClr val="accent1"/>
+          </a:fillRef>
+          <a:effectRef idx="0">
+            <a:schemeClr val="accent1"/>
+          </a:effectRef>
+          <a:fontRef idx="minor">
+            <a:schemeClr val="lt1"/>
+          </a:fontRef>
+        </p:style>
+        <p:txBody>
+          <a:bodyPr rtlCol="0" anchor="ctr"/>
+          <a:lstStyle/>
+          <a:p>
+            <a:pPr algn="ctr"/>
+            <a:endParaRPr lang="ko-KR" altLang="en-US"/>
+          </a:p>
+        </p:txBody>
+      </p:sp>
+      <p:sp>
+        <p:nvSpPr>
+          <p:cNvPr id="8" name="직사각형 7"/>
+          <p:cNvSpPr/>
+          <p:nvPr/>
+        </p:nvSpPr>
+        <p:spPr>
+          <a:xfrm>
+            <a:off x="260710" y="141014"/>
+            <a:ext cx="1362874" cy="400110"/>
+          </a:xfrm>
+          <a:prstGeom prst="rect">
+            <a:avLst/>
+          </a:prstGeom>
+        </p:spPr>
+        <p:txBody>
+          <a:bodyPr wrap="none">
+            <a:spAutoFit/>
+          </a:bodyPr>
+          <a:lstStyle/>
+          <a:p>
+            <a:pPr algn="ctr"/>
+            <a:r>
+              <a:rPr lang="en-US" altLang="ko-KR" sz="2000" b="1" spc="-150" dirty="0">
+                <a:solidFill>
+                  <a:schemeClr val="bg1"/>
+                </a:solidFill>
+              </a:rPr>
+              <a:t>5. Boosting</a:t>
+            </a:r>
+            <a:endParaRPr lang="ko-KR" altLang="en-US" sz="2000" b="1" spc="-150" dirty="0">
+              <a:solidFill>
+                <a:schemeClr val="bg1"/>
+              </a:solidFill>
+            </a:endParaRPr>
+          </a:p>
+        </p:txBody>
+      </p:sp>
+      <p:sp>
+        <p:nvSpPr>
+          <p:cNvPr id="9" name="TextBox 8"/>
+          <p:cNvSpPr txBox="1"/>
+          <p:nvPr/>
+        </p:nvSpPr>
+        <p:spPr>
+          <a:xfrm>
+            <a:off x="3995936" y="479095"/>
+            <a:ext cx="1080120" cy="461665"/>
+          </a:xfrm>
+          <a:prstGeom prst="rect">
+            <a:avLst/>
+          </a:prstGeom>
+          <a:noFill/>
+        </p:spPr>
+        <p:txBody>
+          <a:bodyPr wrap="square" rtlCol="0">
+            <a:spAutoFit/>
+          </a:bodyPr>
+          <a:lstStyle/>
+          <a:p>
+            <a:pPr algn="ctr"/>
+            <a:r>
+              <a:rPr lang="en-US" altLang="ko-KR" sz="2400" dirty="0">
+                <a:solidFill>
+                  <a:schemeClr val="bg1"/>
+                </a:solidFill>
+                <a:latin typeface="HY헤드라인M" pitchFamily="18" charset="-127"/>
+                <a:ea typeface="HY헤드라인M" pitchFamily="18" charset="-127"/>
+              </a:rPr>
+              <a:t>05</a:t>
+            </a:r>
+            <a:endParaRPr lang="ko-KR" altLang="en-US" sz="2400" dirty="0">
+              <a:solidFill>
+                <a:schemeClr val="bg1"/>
+              </a:solidFill>
+              <a:latin typeface="HY헤드라인M" pitchFamily="18" charset="-127"/>
+              <a:ea typeface="HY헤드라인M" pitchFamily="18" charset="-127"/>
+            </a:endParaRPr>
+          </a:p>
+        </p:txBody>
+      </p:sp>
+      <p:sp>
+        <p:nvSpPr>
+          <p:cNvPr id="12" name="TextBox 11"/>
+          <p:cNvSpPr txBox="1"/>
+          <p:nvPr/>
+        </p:nvSpPr>
+        <p:spPr>
+          <a:xfrm>
+            <a:off x="5364088" y="271681"/>
+            <a:ext cx="3600400" cy="276999"/>
+          </a:xfrm>
+          <a:prstGeom prst="rect">
+            <a:avLst/>
+          </a:prstGeom>
+          <a:noFill/>
+        </p:spPr>
+        <p:txBody>
+          <a:bodyPr wrap="square" rtlCol="0">
+            <a:spAutoFit/>
+          </a:bodyPr>
+          <a:lstStyle/>
+          <a:p>
+            <a:pPr algn="dist"/>
+            <a:r>
+              <a:rPr lang="en-US" altLang="ko-KR" sz="1200" b="1" dirty="0">
+                <a:solidFill>
+                  <a:schemeClr val="bg1"/>
+                </a:solidFill>
+              </a:rPr>
+              <a:t>ML </a:t>
+            </a:r>
+            <a:r>
+              <a:rPr lang="ko-KR" altLang="en-US" sz="1200" b="1" dirty="0">
+                <a:solidFill>
+                  <a:schemeClr val="bg1"/>
+                </a:solidFill>
+              </a:rPr>
+              <a:t> </a:t>
+            </a:r>
+            <a:r>
+              <a:rPr lang="en-US" altLang="ko-KR" sz="1200" b="1" dirty="0">
+                <a:solidFill>
+                  <a:schemeClr val="bg1"/>
+                </a:solidFill>
+              </a:rPr>
+              <a:t>Ensemble Learning</a:t>
+            </a:r>
+            <a:endParaRPr lang="ko-KR" altLang="en-US" sz="1200" b="1" dirty="0">
+              <a:solidFill>
+                <a:schemeClr val="bg1"/>
+              </a:solidFill>
+            </a:endParaRPr>
+          </a:p>
+        </p:txBody>
+      </p:sp>
+      <p:sp>
+        <p:nvSpPr>
+          <p:cNvPr id="4" name="TextBox 3">
+            <a:extLst>
+              <a:ext uri="{FF2B5EF4-FFF2-40B4-BE49-F238E27FC236}">
+                <a16:creationId xmlns:a16="http://schemas.microsoft.com/office/drawing/2014/main" id="{FAE05800-41DD-415A-8EF6-9E894C804E92}"/>
+              </a:ext>
+            </a:extLst>
+          </p:cNvPr>
+          <p:cNvSpPr txBox="1"/>
+          <p:nvPr/>
+        </p:nvSpPr>
+        <p:spPr>
+          <a:xfrm>
+            <a:off x="539552" y="1075206"/>
+            <a:ext cx="7992888" cy="5262979"/>
+          </a:xfrm>
+          <a:prstGeom prst="rect">
+            <a:avLst/>
+          </a:prstGeom>
+          <a:noFill/>
+        </p:spPr>
+        <p:txBody>
+          <a:bodyPr wrap="square" rtlCol="0">
+            <a:spAutoFit/>
+          </a:bodyPr>
+          <a:lstStyle/>
+          <a:p>
+            <a:r>
+              <a:rPr lang="en-US" altLang="ko-KR" sz="2400" b="1" dirty="0"/>
+              <a:t>Gradient</a:t>
+            </a:r>
+            <a:r>
+              <a:rPr lang="ko-KR" altLang="en-US" sz="2400" b="1" dirty="0"/>
+              <a:t> </a:t>
+            </a:r>
+            <a:r>
+              <a:rPr lang="en-US" altLang="ko-KR" sz="2400" b="1" dirty="0"/>
+              <a:t>Boosting(1)</a:t>
+            </a:r>
+            <a:endParaRPr lang="en-US" altLang="ko-KR" b="1" dirty="0"/>
+          </a:p>
+          <a:p>
+            <a:endParaRPr lang="en-US" altLang="ko-KR" sz="1200" b="1" dirty="0"/>
+          </a:p>
+          <a:p>
+            <a:endParaRPr lang="en-US" altLang="ko-KR" sz="1200" b="1" dirty="0"/>
+          </a:p>
+          <a:p>
+            <a:endParaRPr lang="en-US" altLang="ko-KR" sz="1200" b="1" dirty="0"/>
+          </a:p>
+          <a:p>
+            <a:endParaRPr lang="en-US" altLang="ko-KR" sz="1200" b="1" dirty="0"/>
+          </a:p>
+          <a:p>
+            <a:endParaRPr lang="en-US" altLang="ko-KR" sz="1200" b="1" dirty="0"/>
+          </a:p>
+          <a:p>
+            <a:endParaRPr lang="en-US" altLang="ko-KR" sz="1200" b="1" dirty="0"/>
+          </a:p>
+          <a:p>
+            <a:endParaRPr lang="en-US" altLang="ko-KR" sz="1200" b="1" dirty="0"/>
+          </a:p>
+          <a:p>
+            <a:endParaRPr lang="en-US" altLang="ko-KR" sz="1200" b="1" dirty="0"/>
+          </a:p>
+          <a:p>
+            <a:endParaRPr lang="en-US" altLang="ko-KR" sz="1200" b="1" dirty="0"/>
+          </a:p>
+          <a:p>
+            <a:endParaRPr lang="en-US" altLang="ko-KR" sz="1200" b="1" dirty="0"/>
+          </a:p>
+          <a:p>
+            <a:endParaRPr lang="en-US" altLang="ko-KR" sz="800" b="1" dirty="0"/>
+          </a:p>
+          <a:p>
+            <a:endParaRPr lang="en-US" altLang="ko-KR" sz="800" b="1" dirty="0"/>
+          </a:p>
+          <a:p>
+            <a:endParaRPr lang="en-US" altLang="ko-KR" sz="800" b="1" dirty="0"/>
+          </a:p>
+          <a:p>
+            <a:endParaRPr lang="en-US" altLang="ko-KR" sz="800" b="1" dirty="0"/>
+          </a:p>
+          <a:p>
+            <a:endParaRPr lang="en-US" altLang="ko-KR" sz="800" b="1" dirty="0"/>
+          </a:p>
+          <a:p>
+            <a:endParaRPr lang="en-US" altLang="ko-KR" sz="800" b="1" dirty="0"/>
+          </a:p>
+          <a:p>
+            <a:pPr marL="285750" indent="-285750">
+              <a:buFontTx/>
+              <a:buChar char="-"/>
+            </a:pPr>
+            <a:r>
+              <a:rPr lang="en-US" altLang="ko-KR" b="1" dirty="0"/>
+              <a:t>Gradient</a:t>
+            </a:r>
+            <a:r>
+              <a:rPr lang="ko-KR" altLang="en-US" b="1" dirty="0"/>
+              <a:t> </a:t>
+            </a:r>
+            <a:r>
+              <a:rPr lang="en-US" altLang="ko-KR" b="1" dirty="0"/>
+              <a:t>Boosting</a:t>
+            </a:r>
+            <a:r>
+              <a:rPr lang="ko-KR" altLang="en-US" b="1" dirty="0"/>
+              <a:t>은 이전 예측기의 잔여오차를 학습하는 방식으로 오차를 보정한다</a:t>
+            </a:r>
+            <a:r>
+              <a:rPr lang="en-US" altLang="ko-KR" b="1" dirty="0"/>
+              <a:t>.</a:t>
+            </a:r>
+          </a:p>
+          <a:p>
+            <a:pPr marL="285750" indent="-285750">
+              <a:buFontTx/>
+              <a:buChar char="-"/>
+            </a:pPr>
+            <a:endParaRPr lang="en-US" altLang="ko-KR" b="1" dirty="0"/>
+          </a:p>
+          <a:p>
+            <a:pPr marL="285750" indent="-285750">
+              <a:buFontTx/>
+              <a:buChar char="-"/>
+            </a:pPr>
+            <a:r>
+              <a:rPr lang="ko-KR" altLang="en-US" b="1" dirty="0"/>
+              <a:t>잔여오차는 이전 학습기에서 잘못 분류한 샘플에 해당한다</a:t>
+            </a:r>
+            <a:r>
+              <a:rPr lang="en-US" altLang="ko-KR" b="1" dirty="0"/>
+              <a:t>.</a:t>
+            </a:r>
+          </a:p>
+          <a:p>
+            <a:pPr marL="285750" indent="-285750">
+              <a:buFontTx/>
+              <a:buChar char="-"/>
+            </a:pPr>
+            <a:endParaRPr lang="en-US" altLang="ko-KR" b="1" dirty="0"/>
+          </a:p>
+          <a:p>
+            <a:pPr marL="285750" indent="-285750">
+              <a:buFontTx/>
+              <a:buChar char="-"/>
+            </a:pPr>
+            <a:r>
+              <a:rPr lang="ko-KR" altLang="en-US" b="1" dirty="0" err="1"/>
+              <a:t>학습률은</a:t>
+            </a:r>
+            <a:r>
+              <a:rPr lang="ko-KR" altLang="en-US" b="1" dirty="0"/>
+              <a:t> 각 예측기의 기여 정도를 조절하는 매개변수이다</a:t>
+            </a:r>
+            <a:r>
+              <a:rPr lang="en-US" altLang="ko-KR" b="1" dirty="0"/>
+              <a:t>. </a:t>
+            </a:r>
+            <a:r>
+              <a:rPr lang="ko-KR" altLang="en-US" b="1" dirty="0" err="1"/>
+              <a:t>학습률을</a:t>
+            </a:r>
+            <a:r>
+              <a:rPr lang="ko-KR" altLang="en-US" b="1" dirty="0"/>
+              <a:t> 낮게 설정하고 앙상블의 </a:t>
+            </a:r>
+            <a:r>
+              <a:rPr lang="ko-KR" altLang="en-US" b="1" dirty="0" err="1"/>
+              <a:t>예측기</a:t>
+            </a:r>
+            <a:r>
+              <a:rPr lang="ko-KR" altLang="en-US" b="1" dirty="0"/>
+              <a:t> 수를 늘리는 </a:t>
+            </a:r>
+            <a:r>
+              <a:rPr lang="en-US" altLang="ko-KR" b="1" dirty="0"/>
+              <a:t>‘</a:t>
+            </a:r>
+            <a:r>
+              <a:rPr lang="ko-KR" altLang="en-US" b="1" dirty="0"/>
+              <a:t>축소</a:t>
+            </a:r>
+            <a:r>
+              <a:rPr lang="en-US" altLang="ko-KR" b="1" dirty="0"/>
+              <a:t>’ </a:t>
+            </a:r>
+            <a:r>
+              <a:rPr lang="ko-KR" altLang="en-US" b="1" dirty="0"/>
+              <a:t>라는 기법을 사용하면 좋은 성능을 기대 할 수 있다</a:t>
+            </a:r>
+            <a:r>
+              <a:rPr lang="en-US" altLang="ko-KR" b="1" dirty="0"/>
+              <a:t>.</a:t>
+            </a:r>
+          </a:p>
+        </p:txBody>
+      </p:sp>
+      <p:grpSp>
+        <p:nvGrpSpPr>
+          <p:cNvPr id="11" name="그룹 10">
+            <a:extLst>
+              <a:ext uri="{FF2B5EF4-FFF2-40B4-BE49-F238E27FC236}">
+                <a16:creationId xmlns:a16="http://schemas.microsoft.com/office/drawing/2014/main" id="{086C9730-CEA7-45CB-91D5-29FF9560B3A7}"/>
+              </a:ext>
+            </a:extLst>
+          </p:cNvPr>
+          <p:cNvGrpSpPr/>
+          <p:nvPr/>
+        </p:nvGrpSpPr>
+        <p:grpSpPr>
+          <a:xfrm>
+            <a:off x="757347" y="1847935"/>
+            <a:ext cx="7709967" cy="1797089"/>
+            <a:chOff x="757347" y="1777579"/>
+            <a:chExt cx="7709967" cy="1797089"/>
+          </a:xfrm>
+        </p:grpSpPr>
+        <p:pic>
+          <p:nvPicPr>
+            <p:cNvPr id="6" name="그림 5">
+              <a:extLst>
+                <a:ext uri="{FF2B5EF4-FFF2-40B4-BE49-F238E27FC236}">
+                  <a16:creationId xmlns:a16="http://schemas.microsoft.com/office/drawing/2014/main" id="{9A882314-1989-4425-B847-62D717BD0D98}"/>
+                </a:ext>
+              </a:extLst>
+            </p:cNvPr>
+            <p:cNvPicPr>
+              <a:picLocks noChangeAspect="1"/>
+            </p:cNvPicPr>
+            <p:nvPr/>
+          </p:nvPicPr>
+          <p:blipFill>
+            <a:blip r:embed="rId3"/>
+            <a:stretch>
+              <a:fillRect/>
+            </a:stretch>
+          </p:blipFill>
+          <p:spPr>
+            <a:xfrm>
+              <a:off x="757347" y="1777579"/>
+              <a:ext cx="3742645" cy="1344341"/>
+            </a:xfrm>
+            <a:prstGeom prst="rect">
+              <a:avLst/>
+            </a:prstGeom>
+          </p:spPr>
+        </p:pic>
+        <p:pic>
+          <p:nvPicPr>
+            <p:cNvPr id="10" name="그림 9">
+              <a:extLst>
+                <a:ext uri="{FF2B5EF4-FFF2-40B4-BE49-F238E27FC236}">
+                  <a16:creationId xmlns:a16="http://schemas.microsoft.com/office/drawing/2014/main" id="{82A0C46A-4132-4DD1-B6F2-31F75E7200CE}"/>
+                </a:ext>
+              </a:extLst>
+            </p:cNvPr>
+            <p:cNvPicPr>
+              <a:picLocks noChangeAspect="1"/>
+            </p:cNvPicPr>
+            <p:nvPr/>
+          </p:nvPicPr>
+          <p:blipFill>
+            <a:blip r:embed="rId4"/>
+            <a:stretch>
+              <a:fillRect/>
+            </a:stretch>
+          </p:blipFill>
+          <p:spPr>
+            <a:xfrm>
+              <a:off x="4644008" y="1895881"/>
+              <a:ext cx="3823306" cy="1226039"/>
+            </a:xfrm>
+            <a:prstGeom prst="rect">
+              <a:avLst/>
+            </a:prstGeom>
+          </p:spPr>
+        </p:pic>
+        <p:sp>
+          <p:nvSpPr>
+            <p:cNvPr id="19" name="TextBox 18">
+              <a:extLst>
+                <a:ext uri="{FF2B5EF4-FFF2-40B4-BE49-F238E27FC236}">
+                  <a16:creationId xmlns:a16="http://schemas.microsoft.com/office/drawing/2014/main" id="{96688B6C-C83E-4A53-A6EB-5ADD60D3484C}"/>
+                </a:ext>
+              </a:extLst>
+            </p:cNvPr>
+            <p:cNvSpPr txBox="1"/>
+            <p:nvPr/>
+          </p:nvSpPr>
+          <p:spPr>
+            <a:xfrm>
+              <a:off x="1552630" y="3297669"/>
+              <a:ext cx="2152078" cy="276999"/>
+            </a:xfrm>
+            <a:prstGeom prst="rect">
+              <a:avLst/>
+            </a:prstGeom>
+            <a:noFill/>
+          </p:spPr>
+          <p:txBody>
+            <a:bodyPr wrap="square" rtlCol="0">
+              <a:spAutoFit/>
+            </a:bodyPr>
+            <a:lstStyle/>
+            <a:p>
+              <a:pPr algn="ctr"/>
+              <a:r>
+                <a:rPr lang="en-US" altLang="ko-KR" sz="1200" b="1" dirty="0"/>
+                <a:t>Step 1</a:t>
+              </a:r>
+              <a:endParaRPr lang="ko-KR" altLang="en-US" sz="1200" b="1" dirty="0"/>
+            </a:p>
+          </p:txBody>
+        </p:sp>
+        <p:sp>
+          <p:nvSpPr>
+            <p:cNvPr id="25" name="TextBox 24">
+              <a:extLst>
+                <a:ext uri="{FF2B5EF4-FFF2-40B4-BE49-F238E27FC236}">
+                  <a16:creationId xmlns:a16="http://schemas.microsoft.com/office/drawing/2014/main" id="{4E2D5E32-AEAF-40AD-BF7F-D3C64E592179}"/>
+                </a:ext>
+              </a:extLst>
+            </p:cNvPr>
+            <p:cNvSpPr txBox="1"/>
+            <p:nvPr/>
+          </p:nvSpPr>
+          <p:spPr>
+            <a:xfrm>
+              <a:off x="5484343" y="3270790"/>
+              <a:ext cx="2152078" cy="276999"/>
+            </a:xfrm>
+            <a:prstGeom prst="rect">
+              <a:avLst/>
+            </a:prstGeom>
+            <a:noFill/>
+          </p:spPr>
+          <p:txBody>
+            <a:bodyPr wrap="square" rtlCol="0">
+              <a:spAutoFit/>
+            </a:bodyPr>
+            <a:lstStyle/>
+            <a:p>
+              <a:pPr algn="ctr"/>
+              <a:r>
+                <a:rPr lang="en-US" altLang="ko-KR" sz="1200" b="1" dirty="0"/>
+                <a:t>Step 2</a:t>
+              </a:r>
+              <a:endParaRPr lang="ko-KR" altLang="en-US" sz="1200" b="1" dirty="0"/>
+            </a:p>
+          </p:txBody>
+        </p:sp>
+      </p:grpSp>
+    </p:spTree>
+    <p:extLst>
+      <p:ext uri="{BB962C8B-B14F-4D97-AF65-F5344CB8AC3E}">
+        <p14:creationId xmlns:p14="http://schemas.microsoft.com/office/powerpoint/2010/main" val="3222830891"/>
+      </p:ext>
+    </p:extLst>
+  </p:cSld>
+  <p:clrMapOvr>
+    <a:masterClrMapping/>
+  </p:clrMapOvr>
+</p:sld>
+</file>
+
+<file path=ppt/slides/slide15.xml><?xml version="1.0" encoding="utf-8"?>
+<p:sld xmlns:a="http://schemas.openxmlformats.org/drawingml/2006/main" xmlns:r="http://schemas.openxmlformats.org/officeDocument/2006/relationships" xmlns:p="http://schemas.openxmlformats.org/presentationml/2006/main">
+  <p:cSld>
+    <p:bg>
+      <p:bgPr>
+        <a:solidFill>
+          <a:schemeClr val="tx2">
+            <a:lumMod val="75000"/>
+          </a:schemeClr>
+        </a:solidFill>
+        <a:effectLst/>
+      </p:bgPr>
+    </p:bg>
+    <p:spTree>
+      <p:nvGrpSpPr>
+        <p:cNvPr id="1" name=""/>
+        <p:cNvGrpSpPr/>
+        <p:nvPr/>
+      </p:nvGrpSpPr>
+      <p:grpSpPr>
+        <a:xfrm>
+          <a:off x="0" y="0"/>
+          <a:ext cx="0" cy="0"/>
+          <a:chOff x="0" y="0"/>
+          <a:chExt cx="0" cy="0"/>
+        </a:xfrm>
+      </p:grpSpPr>
+      <p:sp>
+        <p:nvSpPr>
+          <p:cNvPr id="2" name="직사각형 1"/>
+          <p:cNvSpPr/>
+          <p:nvPr/>
+        </p:nvSpPr>
+        <p:spPr>
+          <a:xfrm>
+            <a:off x="251520" y="620688"/>
+            <a:ext cx="8640960" cy="5976664"/>
+          </a:xfrm>
+          <a:prstGeom prst="rect">
+            <a:avLst/>
+          </a:prstGeom>
+          <a:solidFill>
+            <a:schemeClr val="bg1"/>
+          </a:solidFill>
+          <a:ln>
+            <a:noFill/>
+          </a:ln>
+        </p:spPr>
+        <p:style>
+          <a:lnRef idx="2">
+            <a:schemeClr val="accent1">
+              <a:shade val="50000"/>
+            </a:schemeClr>
+          </a:lnRef>
+          <a:fillRef idx="1">
+            <a:schemeClr val="accent1"/>
+          </a:fillRef>
+          <a:effectRef idx="0">
+            <a:schemeClr val="accent1"/>
+          </a:effectRef>
+          <a:fontRef idx="minor">
+            <a:schemeClr val="lt1"/>
+          </a:fontRef>
+        </p:style>
+        <p:txBody>
+          <a:bodyPr rtlCol="0" anchor="ctr"/>
+          <a:lstStyle/>
+          <a:p>
+            <a:pPr algn="ctr"/>
+            <a:endParaRPr lang="ko-KR" altLang="en-US"/>
+          </a:p>
+        </p:txBody>
+      </p:sp>
+      <p:sp>
+        <p:nvSpPr>
+          <p:cNvPr id="3" name="타원 2"/>
+          <p:cNvSpPr/>
+          <p:nvPr/>
+        </p:nvSpPr>
+        <p:spPr>
+          <a:xfrm>
+            <a:off x="4067944" y="74100"/>
+            <a:ext cx="936104" cy="936104"/>
+          </a:xfrm>
+          <a:prstGeom prst="ellipse">
+            <a:avLst/>
+          </a:prstGeom>
+          <a:solidFill>
+            <a:schemeClr val="tx2">
+              <a:lumMod val="75000"/>
+            </a:schemeClr>
+          </a:solidFill>
+          <a:ln>
+            <a:noFill/>
+          </a:ln>
+        </p:spPr>
+        <p:style>
+          <a:lnRef idx="2">
+            <a:schemeClr val="accent1">
+              <a:shade val="50000"/>
+            </a:schemeClr>
+          </a:lnRef>
+          <a:fillRef idx="1">
+            <a:schemeClr val="accent1"/>
+          </a:fillRef>
+          <a:effectRef idx="0">
+            <a:schemeClr val="accent1"/>
+          </a:effectRef>
+          <a:fontRef idx="minor">
+            <a:schemeClr val="lt1"/>
+          </a:fontRef>
+        </p:style>
+        <p:txBody>
+          <a:bodyPr rtlCol="0" anchor="ctr"/>
+          <a:lstStyle/>
+          <a:p>
+            <a:pPr algn="ctr"/>
+            <a:endParaRPr lang="ko-KR" altLang="en-US"/>
+          </a:p>
+        </p:txBody>
+      </p:sp>
+      <p:sp>
+        <p:nvSpPr>
+          <p:cNvPr id="8" name="직사각형 7"/>
+          <p:cNvSpPr/>
+          <p:nvPr/>
+        </p:nvSpPr>
+        <p:spPr>
+          <a:xfrm>
+            <a:off x="260710" y="141014"/>
+            <a:ext cx="1362874" cy="400110"/>
+          </a:xfrm>
+          <a:prstGeom prst="rect">
+            <a:avLst/>
+          </a:prstGeom>
+        </p:spPr>
+        <p:txBody>
+          <a:bodyPr wrap="none">
+            <a:spAutoFit/>
+          </a:bodyPr>
+          <a:lstStyle/>
+          <a:p>
+            <a:pPr algn="ctr"/>
+            <a:r>
+              <a:rPr lang="en-US" altLang="ko-KR" sz="2000" b="1" spc="-150" dirty="0">
+                <a:solidFill>
+                  <a:schemeClr val="bg1"/>
+                </a:solidFill>
+              </a:rPr>
+              <a:t>5. Boosting</a:t>
+            </a:r>
+            <a:endParaRPr lang="ko-KR" altLang="en-US" sz="2000" b="1" spc="-150" dirty="0">
+              <a:solidFill>
+                <a:schemeClr val="bg1"/>
+              </a:solidFill>
+            </a:endParaRPr>
+          </a:p>
+        </p:txBody>
+      </p:sp>
+      <p:sp>
+        <p:nvSpPr>
+          <p:cNvPr id="9" name="TextBox 8"/>
+          <p:cNvSpPr txBox="1"/>
+          <p:nvPr/>
+        </p:nvSpPr>
+        <p:spPr>
+          <a:xfrm>
+            <a:off x="3995936" y="479095"/>
+            <a:ext cx="1080120" cy="461665"/>
+          </a:xfrm>
+          <a:prstGeom prst="rect">
+            <a:avLst/>
+          </a:prstGeom>
+          <a:noFill/>
+        </p:spPr>
+        <p:txBody>
+          <a:bodyPr wrap="square" rtlCol="0">
+            <a:spAutoFit/>
+          </a:bodyPr>
+          <a:lstStyle/>
+          <a:p>
+            <a:pPr algn="ctr"/>
+            <a:r>
+              <a:rPr lang="en-US" altLang="ko-KR" sz="2400" dirty="0">
+                <a:solidFill>
+                  <a:schemeClr val="bg1"/>
+                </a:solidFill>
+                <a:latin typeface="HY헤드라인M" pitchFamily="18" charset="-127"/>
+                <a:ea typeface="HY헤드라인M" pitchFamily="18" charset="-127"/>
+              </a:rPr>
+              <a:t>05</a:t>
+            </a:r>
+            <a:endParaRPr lang="ko-KR" altLang="en-US" sz="2400" dirty="0">
+              <a:solidFill>
+                <a:schemeClr val="bg1"/>
+              </a:solidFill>
+              <a:latin typeface="HY헤드라인M" pitchFamily="18" charset="-127"/>
+              <a:ea typeface="HY헤드라인M" pitchFamily="18" charset="-127"/>
+            </a:endParaRPr>
+          </a:p>
+        </p:txBody>
+      </p:sp>
+      <p:sp>
+        <p:nvSpPr>
+          <p:cNvPr id="12" name="TextBox 11"/>
+          <p:cNvSpPr txBox="1"/>
+          <p:nvPr/>
+        </p:nvSpPr>
+        <p:spPr>
+          <a:xfrm>
+            <a:off x="5364088" y="271681"/>
+            <a:ext cx="3600400" cy="276999"/>
+          </a:xfrm>
+          <a:prstGeom prst="rect">
+            <a:avLst/>
+          </a:prstGeom>
+          <a:noFill/>
+        </p:spPr>
+        <p:txBody>
+          <a:bodyPr wrap="square" rtlCol="0">
+            <a:spAutoFit/>
+          </a:bodyPr>
+          <a:lstStyle/>
+          <a:p>
+            <a:pPr algn="dist"/>
+            <a:r>
+              <a:rPr lang="en-US" altLang="ko-KR" sz="1200" b="1" dirty="0">
+                <a:solidFill>
+                  <a:schemeClr val="bg1"/>
+                </a:solidFill>
+              </a:rPr>
+              <a:t>ML </a:t>
+            </a:r>
+            <a:r>
+              <a:rPr lang="ko-KR" altLang="en-US" sz="1200" b="1" dirty="0">
+                <a:solidFill>
+                  <a:schemeClr val="bg1"/>
+                </a:solidFill>
+              </a:rPr>
+              <a:t> </a:t>
+            </a:r>
+            <a:r>
+              <a:rPr lang="en-US" altLang="ko-KR" sz="1200" b="1" dirty="0">
+                <a:solidFill>
+                  <a:schemeClr val="bg1"/>
+                </a:solidFill>
+              </a:rPr>
+              <a:t>Ensemble Learning</a:t>
+            </a:r>
+            <a:endParaRPr lang="ko-KR" altLang="en-US" sz="1200" b="1" dirty="0">
+              <a:solidFill>
+                <a:schemeClr val="bg1"/>
+              </a:solidFill>
+            </a:endParaRPr>
+          </a:p>
+        </p:txBody>
+      </p:sp>
+      <p:sp>
+        <p:nvSpPr>
+          <p:cNvPr id="4" name="TextBox 3">
+            <a:extLst>
+              <a:ext uri="{FF2B5EF4-FFF2-40B4-BE49-F238E27FC236}">
+                <a16:creationId xmlns:a16="http://schemas.microsoft.com/office/drawing/2014/main" id="{FAE05800-41DD-415A-8EF6-9E894C804E92}"/>
+              </a:ext>
+            </a:extLst>
+          </p:cNvPr>
+          <p:cNvSpPr txBox="1"/>
+          <p:nvPr/>
+        </p:nvSpPr>
+        <p:spPr>
+          <a:xfrm>
+            <a:off x="539552" y="1075206"/>
+            <a:ext cx="7992888" cy="5539978"/>
+          </a:xfrm>
+          <a:prstGeom prst="rect">
+            <a:avLst/>
+          </a:prstGeom>
+          <a:noFill/>
+        </p:spPr>
+        <p:txBody>
+          <a:bodyPr wrap="square" rtlCol="0">
+            <a:spAutoFit/>
+          </a:bodyPr>
+          <a:lstStyle/>
+          <a:p>
+            <a:r>
+              <a:rPr lang="en-US" altLang="ko-KR" sz="2400" b="1" dirty="0"/>
+              <a:t>Gradient</a:t>
+            </a:r>
+            <a:r>
+              <a:rPr lang="ko-KR" altLang="en-US" sz="2400" b="1" dirty="0"/>
+              <a:t> </a:t>
+            </a:r>
+            <a:r>
+              <a:rPr lang="en-US" altLang="ko-KR" sz="2400" b="1" dirty="0"/>
+              <a:t>Boosting(2)</a:t>
+            </a:r>
+            <a:endParaRPr lang="en-US" altLang="ko-KR" b="1" dirty="0"/>
+          </a:p>
+          <a:p>
+            <a:endParaRPr lang="en-US" altLang="ko-KR" sz="1200" b="1" dirty="0"/>
+          </a:p>
+          <a:p>
+            <a:endParaRPr lang="en-US" altLang="ko-KR" sz="1200" b="1" dirty="0"/>
+          </a:p>
+          <a:p>
+            <a:endParaRPr lang="en-US" altLang="ko-KR" sz="1200" b="1" dirty="0"/>
+          </a:p>
+          <a:p>
+            <a:endParaRPr lang="en-US" altLang="ko-KR" sz="1200" b="1" dirty="0"/>
+          </a:p>
+          <a:p>
+            <a:endParaRPr lang="en-US" altLang="ko-KR" sz="1200" b="1" dirty="0"/>
+          </a:p>
+          <a:p>
+            <a:endParaRPr lang="en-US" altLang="ko-KR" sz="1200" b="1" dirty="0"/>
+          </a:p>
+          <a:p>
+            <a:endParaRPr lang="en-US" altLang="ko-KR" sz="1200" b="1" dirty="0"/>
+          </a:p>
+          <a:p>
+            <a:endParaRPr lang="en-US" altLang="ko-KR" sz="1200" b="1" dirty="0"/>
+          </a:p>
+          <a:p>
+            <a:endParaRPr lang="en-US" altLang="ko-KR" sz="1200" b="1" dirty="0"/>
+          </a:p>
+          <a:p>
+            <a:endParaRPr lang="en-US" altLang="ko-KR" sz="1200" b="1" dirty="0"/>
+          </a:p>
+          <a:p>
+            <a:endParaRPr lang="en-US" altLang="ko-KR" sz="800" b="1" dirty="0"/>
+          </a:p>
+          <a:p>
+            <a:endParaRPr lang="en-US" altLang="ko-KR" sz="800" b="1" dirty="0"/>
+          </a:p>
+          <a:p>
+            <a:endParaRPr lang="en-US" altLang="ko-KR" sz="800" b="1" dirty="0"/>
+          </a:p>
+          <a:p>
+            <a:endParaRPr lang="en-US" altLang="ko-KR" sz="800" b="1" dirty="0"/>
+          </a:p>
+          <a:p>
+            <a:endParaRPr lang="en-US" altLang="ko-KR" sz="800" b="1" dirty="0"/>
+          </a:p>
+          <a:p>
+            <a:endParaRPr lang="en-US" altLang="ko-KR" sz="800" b="1" dirty="0"/>
+          </a:p>
+          <a:p>
+            <a:pPr marL="285750" indent="-285750">
+              <a:buFontTx/>
+              <a:buChar char="-"/>
+            </a:pPr>
+            <a:r>
+              <a:rPr lang="ko-KR" altLang="en-US" b="1" dirty="0"/>
+              <a:t>너무 많은 수의 예측기로 </a:t>
+            </a:r>
+            <a:r>
+              <a:rPr lang="en-US" altLang="ko-KR" b="1" dirty="0"/>
+              <a:t>Gradient Boosting </a:t>
+            </a:r>
+            <a:r>
+              <a:rPr lang="ko-KR" altLang="en-US" b="1" dirty="0"/>
+              <a:t>앙상블을 구성하면 과대적합이 발생 할 수 있다</a:t>
+            </a:r>
+            <a:r>
+              <a:rPr lang="en-US" altLang="ko-KR" b="1" dirty="0"/>
+              <a:t>.</a:t>
+            </a:r>
+          </a:p>
+          <a:p>
+            <a:pPr marL="285750" indent="-285750">
+              <a:buFontTx/>
+              <a:buChar char="-"/>
+            </a:pPr>
+            <a:endParaRPr lang="en-US" altLang="ko-KR" b="1" dirty="0"/>
+          </a:p>
+          <a:p>
+            <a:pPr marL="285750" indent="-285750">
+              <a:buFontTx/>
+              <a:buChar char="-"/>
+            </a:pPr>
+            <a:r>
+              <a:rPr lang="ko-KR" altLang="en-US" b="1" dirty="0"/>
+              <a:t>과대적합을 방지하기 위해 조기 종료 기법을 사용 하면 최적의 예측기의 수를 구할 수 있다</a:t>
+            </a:r>
+            <a:r>
+              <a:rPr lang="en-US" altLang="ko-KR" b="1" dirty="0"/>
+              <a:t>.</a:t>
+            </a:r>
+          </a:p>
+          <a:p>
+            <a:pPr marL="285750" indent="-285750">
+              <a:buFontTx/>
+              <a:buChar char="-"/>
+            </a:pPr>
+            <a:endParaRPr lang="en-US" altLang="ko-KR" b="1" dirty="0"/>
+          </a:p>
+          <a:p>
+            <a:pPr marL="285750" indent="-285750">
+              <a:buFontTx/>
+              <a:buChar char="-"/>
+            </a:pPr>
+            <a:r>
+              <a:rPr lang="ko-KR" altLang="en-US" b="1" dirty="0"/>
+              <a:t>각 예측기를 훈련 세트의 서브셋으로 학습시키는 </a:t>
+            </a:r>
+            <a:r>
+              <a:rPr lang="en-US" altLang="ko-KR" b="1" dirty="0"/>
+              <a:t>Stochastic Gradient Boosting</a:t>
+            </a:r>
+            <a:r>
+              <a:rPr lang="ko-KR" altLang="en-US" b="1" dirty="0"/>
+              <a:t>을 사용하면 학습 시간을 단축시킬 수 있다</a:t>
+            </a:r>
+            <a:r>
+              <a:rPr lang="en-US" altLang="ko-KR" b="1" dirty="0"/>
+              <a:t>. </a:t>
+            </a:r>
+            <a:r>
+              <a:rPr lang="ko-KR" altLang="en-US" b="1" dirty="0"/>
+              <a:t>이 경우</a:t>
+            </a:r>
+            <a:r>
+              <a:rPr lang="en-US" altLang="ko-KR" b="1" dirty="0"/>
+              <a:t>, </a:t>
+            </a:r>
+            <a:r>
+              <a:rPr lang="ko-KR" altLang="en-US" b="1" dirty="0"/>
+              <a:t>편향은 증가하고</a:t>
+            </a:r>
+            <a:r>
+              <a:rPr lang="en-US" altLang="ko-KR" b="1" dirty="0"/>
+              <a:t>, </a:t>
+            </a:r>
+            <a:r>
+              <a:rPr lang="ko-KR" altLang="en-US" b="1" dirty="0"/>
+              <a:t>분산은 감소한다</a:t>
+            </a:r>
+            <a:r>
+              <a:rPr lang="en-US" altLang="ko-KR" b="1" dirty="0"/>
+              <a:t>.</a:t>
+            </a:r>
+          </a:p>
+        </p:txBody>
+      </p:sp>
+      <p:grpSp>
+        <p:nvGrpSpPr>
+          <p:cNvPr id="13" name="그룹 12">
+            <a:extLst>
+              <a:ext uri="{FF2B5EF4-FFF2-40B4-BE49-F238E27FC236}">
+                <a16:creationId xmlns:a16="http://schemas.microsoft.com/office/drawing/2014/main" id="{9C565734-237D-404E-976A-1CC690CBEC63}"/>
+              </a:ext>
+            </a:extLst>
+          </p:cNvPr>
+          <p:cNvGrpSpPr/>
+          <p:nvPr/>
+        </p:nvGrpSpPr>
+        <p:grpSpPr>
+          <a:xfrm>
+            <a:off x="2449533" y="1714905"/>
+            <a:ext cx="4172925" cy="2028141"/>
+            <a:chOff x="2011376" y="1501950"/>
+            <a:chExt cx="5049239" cy="2454051"/>
+          </a:xfrm>
+        </p:grpSpPr>
+        <p:pic>
+          <p:nvPicPr>
+            <p:cNvPr id="7" name="그림 6">
+              <a:extLst>
+                <a:ext uri="{FF2B5EF4-FFF2-40B4-BE49-F238E27FC236}">
+                  <a16:creationId xmlns:a16="http://schemas.microsoft.com/office/drawing/2014/main" id="{D7591D58-1291-47E2-9446-6E9B641454AD}"/>
+                </a:ext>
+              </a:extLst>
+            </p:cNvPr>
+            <p:cNvPicPr>
+              <a:picLocks noChangeAspect="1"/>
+            </p:cNvPicPr>
+            <p:nvPr/>
+          </p:nvPicPr>
+          <p:blipFill>
+            <a:blip r:embed="rId3"/>
+            <a:stretch>
+              <a:fillRect/>
+            </a:stretch>
+          </p:blipFill>
+          <p:spPr>
+            <a:xfrm>
+              <a:off x="2011376" y="1501950"/>
+              <a:ext cx="5049239" cy="2112050"/>
+            </a:xfrm>
+            <a:prstGeom prst="rect">
+              <a:avLst/>
+            </a:prstGeom>
+          </p:spPr>
+        </p:pic>
+        <p:sp>
+          <p:nvSpPr>
+            <p:cNvPr id="15" name="TextBox 14">
+              <a:extLst>
+                <a:ext uri="{FF2B5EF4-FFF2-40B4-BE49-F238E27FC236}">
+                  <a16:creationId xmlns:a16="http://schemas.microsoft.com/office/drawing/2014/main" id="{CD97125F-4F9D-44B9-A377-A4BFCC6CB87B}"/>
+                </a:ext>
+              </a:extLst>
+            </p:cNvPr>
+            <p:cNvSpPr txBox="1"/>
+            <p:nvPr/>
+          </p:nvSpPr>
+          <p:spPr>
+            <a:xfrm>
+              <a:off x="3495961" y="3679002"/>
+              <a:ext cx="2152078" cy="276999"/>
+            </a:xfrm>
+            <a:prstGeom prst="rect">
+              <a:avLst/>
+            </a:prstGeom>
+            <a:noFill/>
+          </p:spPr>
+          <p:txBody>
+            <a:bodyPr wrap="square" rtlCol="0">
+              <a:spAutoFit/>
+            </a:bodyPr>
+            <a:lstStyle/>
+            <a:p>
+              <a:pPr algn="ctr"/>
+              <a:r>
+                <a:rPr lang="ko-KR" altLang="en-US" sz="1200" b="1" dirty="0"/>
+                <a:t>조기 종료</a:t>
+              </a:r>
+            </a:p>
+          </p:txBody>
+        </p:sp>
+      </p:grpSp>
+    </p:spTree>
+    <p:extLst>
+      <p:ext uri="{BB962C8B-B14F-4D97-AF65-F5344CB8AC3E}">
+        <p14:creationId xmlns:p14="http://schemas.microsoft.com/office/powerpoint/2010/main" val="803563773"/>
+      </p:ext>
+    </p:extLst>
+  </p:cSld>
+  <p:clrMapOvr>
+    <a:masterClrMapping/>
+  </p:clrMapOvr>
+</p:sld>
+</file>
+
+<file path=ppt/slides/slide16.xml><?xml version="1.0" encoding="utf-8"?>
+<p:sld xmlns:a="http://schemas.openxmlformats.org/drawingml/2006/main" xmlns:r="http://schemas.openxmlformats.org/officeDocument/2006/relationships" xmlns:p="http://schemas.openxmlformats.org/presentationml/2006/main">
+  <p:cSld>
+    <p:bg>
+      <p:bgPr>
+        <a:solidFill>
+          <a:schemeClr val="tx2">
+            <a:lumMod val="75000"/>
+          </a:schemeClr>
+        </a:solidFill>
+        <a:effectLst/>
+      </p:bgPr>
+    </p:bg>
+    <p:spTree>
+      <p:nvGrpSpPr>
+        <p:cNvPr id="1" name=""/>
+        <p:cNvGrpSpPr/>
+        <p:nvPr/>
+      </p:nvGrpSpPr>
+      <p:grpSpPr>
+        <a:xfrm>
+          <a:off x="0" y="0"/>
+          <a:ext cx="0" cy="0"/>
+          <a:chOff x="0" y="0"/>
+          <a:chExt cx="0" cy="0"/>
+        </a:xfrm>
+      </p:grpSpPr>
+      <p:sp>
+        <p:nvSpPr>
+          <p:cNvPr id="2" name="직사각형 1"/>
+          <p:cNvSpPr/>
+          <p:nvPr/>
+        </p:nvSpPr>
+        <p:spPr>
+          <a:xfrm>
+            <a:off x="251520" y="620688"/>
+            <a:ext cx="8640960" cy="5976664"/>
+          </a:xfrm>
+          <a:prstGeom prst="rect">
+            <a:avLst/>
+          </a:prstGeom>
+          <a:solidFill>
+            <a:schemeClr val="bg1"/>
+          </a:solidFill>
+          <a:ln>
+            <a:noFill/>
+          </a:ln>
+        </p:spPr>
+        <p:style>
+          <a:lnRef idx="2">
+            <a:schemeClr val="accent1">
+              <a:shade val="50000"/>
+            </a:schemeClr>
+          </a:lnRef>
+          <a:fillRef idx="1">
+            <a:schemeClr val="accent1"/>
+          </a:fillRef>
+          <a:effectRef idx="0">
+            <a:schemeClr val="accent1"/>
+          </a:effectRef>
+          <a:fontRef idx="minor">
+            <a:schemeClr val="lt1"/>
+          </a:fontRef>
+        </p:style>
+        <p:txBody>
+          <a:bodyPr rtlCol="0" anchor="ctr"/>
+          <a:lstStyle/>
+          <a:p>
+            <a:pPr algn="ctr"/>
+            <a:endParaRPr lang="ko-KR" altLang="en-US"/>
+          </a:p>
+        </p:txBody>
+      </p:sp>
+      <p:sp>
+        <p:nvSpPr>
+          <p:cNvPr id="3" name="타원 2"/>
+          <p:cNvSpPr/>
+          <p:nvPr/>
+        </p:nvSpPr>
+        <p:spPr>
+          <a:xfrm>
+            <a:off x="4067944" y="74100"/>
+            <a:ext cx="936104" cy="936104"/>
+          </a:xfrm>
+          <a:prstGeom prst="ellipse">
+            <a:avLst/>
+          </a:prstGeom>
+          <a:solidFill>
+            <a:schemeClr val="tx2">
+              <a:lumMod val="75000"/>
+            </a:schemeClr>
+          </a:solidFill>
+          <a:ln>
+            <a:noFill/>
+          </a:ln>
+        </p:spPr>
+        <p:style>
+          <a:lnRef idx="2">
+            <a:schemeClr val="accent1">
+              <a:shade val="50000"/>
+            </a:schemeClr>
+          </a:lnRef>
+          <a:fillRef idx="1">
+            <a:schemeClr val="accent1"/>
+          </a:fillRef>
+          <a:effectRef idx="0">
+            <a:schemeClr val="accent1"/>
+          </a:effectRef>
+          <a:fontRef idx="minor">
+            <a:schemeClr val="lt1"/>
+          </a:fontRef>
+        </p:style>
+        <p:txBody>
+          <a:bodyPr rtlCol="0" anchor="ctr"/>
+          <a:lstStyle/>
+          <a:p>
+            <a:pPr algn="ctr"/>
+            <a:endParaRPr lang="ko-KR" altLang="en-US"/>
+          </a:p>
+        </p:txBody>
+      </p:sp>
+      <p:sp>
+        <p:nvSpPr>
+          <p:cNvPr id="8" name="직사각형 7"/>
+          <p:cNvSpPr/>
+          <p:nvPr/>
+        </p:nvSpPr>
+        <p:spPr>
+          <a:xfrm>
+            <a:off x="248123" y="141014"/>
+            <a:ext cx="1309269" cy="400110"/>
+          </a:xfrm>
+          <a:prstGeom prst="rect">
+            <a:avLst/>
+          </a:prstGeom>
+        </p:spPr>
+        <p:txBody>
+          <a:bodyPr wrap="none">
+            <a:spAutoFit/>
+          </a:bodyPr>
+          <a:lstStyle/>
+          <a:p>
+            <a:pPr algn="ctr"/>
+            <a:r>
+              <a:rPr lang="en-US" altLang="ko-KR" sz="2000" b="1" spc="-150" dirty="0">
+                <a:solidFill>
+                  <a:schemeClr val="bg1"/>
+                </a:solidFill>
+              </a:rPr>
+              <a:t>6. Stacking</a:t>
+            </a:r>
+            <a:endParaRPr lang="ko-KR" altLang="en-US" sz="2000" b="1" spc="-150" dirty="0">
+              <a:solidFill>
+                <a:schemeClr val="bg1"/>
+              </a:solidFill>
+            </a:endParaRPr>
+          </a:p>
+        </p:txBody>
+      </p:sp>
+      <p:sp>
+        <p:nvSpPr>
+          <p:cNvPr id="9" name="TextBox 8"/>
+          <p:cNvSpPr txBox="1"/>
+          <p:nvPr/>
+        </p:nvSpPr>
+        <p:spPr>
+          <a:xfrm>
+            <a:off x="3995936" y="479095"/>
+            <a:ext cx="1080120" cy="461665"/>
+          </a:xfrm>
+          <a:prstGeom prst="rect">
+            <a:avLst/>
+          </a:prstGeom>
+          <a:noFill/>
+        </p:spPr>
+        <p:txBody>
+          <a:bodyPr wrap="square" rtlCol="0">
+            <a:spAutoFit/>
+          </a:bodyPr>
+          <a:lstStyle/>
+          <a:p>
+            <a:pPr algn="ctr"/>
+            <a:r>
+              <a:rPr lang="en-US" altLang="ko-KR" sz="2400" dirty="0">
+                <a:solidFill>
+                  <a:schemeClr val="bg1"/>
+                </a:solidFill>
+                <a:latin typeface="HY헤드라인M" pitchFamily="18" charset="-127"/>
+                <a:ea typeface="HY헤드라인M" pitchFamily="18" charset="-127"/>
+              </a:rPr>
+              <a:t>06</a:t>
+            </a:r>
+            <a:endParaRPr lang="ko-KR" altLang="en-US" sz="2400" dirty="0">
+              <a:solidFill>
+                <a:schemeClr val="bg1"/>
+              </a:solidFill>
+              <a:latin typeface="HY헤드라인M" pitchFamily="18" charset="-127"/>
+              <a:ea typeface="HY헤드라인M" pitchFamily="18" charset="-127"/>
+            </a:endParaRPr>
+          </a:p>
+        </p:txBody>
+      </p:sp>
+      <p:sp>
+        <p:nvSpPr>
+          <p:cNvPr id="12" name="TextBox 11"/>
+          <p:cNvSpPr txBox="1"/>
+          <p:nvPr/>
+        </p:nvSpPr>
+        <p:spPr>
+          <a:xfrm>
+            <a:off x="5364088" y="271681"/>
+            <a:ext cx="3600400" cy="276999"/>
+          </a:xfrm>
+          <a:prstGeom prst="rect">
+            <a:avLst/>
+          </a:prstGeom>
+          <a:noFill/>
+        </p:spPr>
+        <p:txBody>
+          <a:bodyPr wrap="square" rtlCol="0">
+            <a:spAutoFit/>
+          </a:bodyPr>
+          <a:lstStyle/>
+          <a:p>
+            <a:pPr algn="dist"/>
+            <a:r>
+              <a:rPr lang="en-US" altLang="ko-KR" sz="1200" b="1" dirty="0">
+                <a:solidFill>
+                  <a:schemeClr val="bg1"/>
+                </a:solidFill>
+              </a:rPr>
+              <a:t>ML </a:t>
+            </a:r>
+            <a:r>
+              <a:rPr lang="ko-KR" altLang="en-US" sz="1200" b="1" dirty="0">
+                <a:solidFill>
+                  <a:schemeClr val="bg1"/>
+                </a:solidFill>
+              </a:rPr>
+              <a:t> </a:t>
+            </a:r>
+            <a:r>
+              <a:rPr lang="en-US" altLang="ko-KR" sz="1200" b="1" dirty="0">
+                <a:solidFill>
+                  <a:schemeClr val="bg1"/>
+                </a:solidFill>
+              </a:rPr>
+              <a:t>Ensemble Learning</a:t>
+            </a:r>
+            <a:endParaRPr lang="ko-KR" altLang="en-US" sz="1200" b="1" dirty="0">
+              <a:solidFill>
+                <a:schemeClr val="bg1"/>
+              </a:solidFill>
+            </a:endParaRPr>
+          </a:p>
+        </p:txBody>
+      </p:sp>
+      <p:sp>
+        <p:nvSpPr>
+          <p:cNvPr id="4" name="TextBox 3">
+            <a:extLst>
+              <a:ext uri="{FF2B5EF4-FFF2-40B4-BE49-F238E27FC236}">
+                <a16:creationId xmlns:a16="http://schemas.microsoft.com/office/drawing/2014/main" id="{FAE05800-41DD-415A-8EF6-9E894C804E92}"/>
+              </a:ext>
+            </a:extLst>
+          </p:cNvPr>
+          <p:cNvSpPr txBox="1"/>
+          <p:nvPr/>
+        </p:nvSpPr>
+        <p:spPr>
+          <a:xfrm>
+            <a:off x="539552" y="1075206"/>
+            <a:ext cx="7992888" cy="5847755"/>
+          </a:xfrm>
+          <a:prstGeom prst="rect">
+            <a:avLst/>
+          </a:prstGeom>
+          <a:noFill/>
+        </p:spPr>
+        <p:txBody>
+          <a:bodyPr wrap="square" rtlCol="0">
+            <a:spAutoFit/>
+          </a:bodyPr>
+          <a:lstStyle/>
+          <a:p>
+            <a:r>
+              <a:rPr lang="en-US" altLang="ko-KR" sz="2400" b="1" dirty="0"/>
+              <a:t>Stacking(1)</a:t>
+            </a:r>
+            <a:endParaRPr lang="en-US" altLang="ko-KR" sz="1200" b="1" dirty="0"/>
+          </a:p>
+          <a:p>
+            <a:endParaRPr lang="en-US" altLang="ko-KR" sz="1200" b="1" dirty="0"/>
+          </a:p>
+          <a:p>
+            <a:endParaRPr lang="en-US" altLang="ko-KR" sz="1200" b="1" dirty="0"/>
+          </a:p>
+          <a:p>
+            <a:endParaRPr lang="en-US" altLang="ko-KR" sz="1200" b="1" dirty="0"/>
+          </a:p>
+          <a:p>
+            <a:endParaRPr lang="en-US" altLang="ko-KR" sz="1200" b="1" dirty="0"/>
+          </a:p>
+          <a:p>
+            <a:endParaRPr lang="en-US" altLang="ko-KR" sz="1200" b="1" dirty="0"/>
+          </a:p>
+          <a:p>
+            <a:endParaRPr lang="en-US" altLang="ko-KR" sz="1200" b="1" dirty="0"/>
+          </a:p>
+          <a:p>
+            <a:endParaRPr lang="en-US" altLang="ko-KR" sz="1200" b="1" dirty="0"/>
+          </a:p>
+          <a:p>
+            <a:endParaRPr lang="en-US" altLang="ko-KR" sz="1200" b="1" dirty="0"/>
+          </a:p>
+          <a:p>
+            <a:endParaRPr lang="en-US" altLang="ko-KR" sz="1200" b="1" dirty="0"/>
+          </a:p>
+          <a:p>
+            <a:endParaRPr lang="en-US" altLang="ko-KR" sz="1200" b="1" dirty="0"/>
+          </a:p>
+          <a:p>
+            <a:br>
+              <a:rPr lang="en-US" altLang="ko-KR" sz="1200" b="1" dirty="0"/>
+            </a:br>
+            <a:endParaRPr lang="en-US" altLang="ko-KR" sz="1200" b="1" dirty="0"/>
+          </a:p>
+          <a:p>
+            <a:endParaRPr lang="en-US" altLang="ko-KR" sz="1200" b="1" dirty="0"/>
+          </a:p>
+          <a:p>
+            <a:endParaRPr lang="en-US" altLang="ko-KR" sz="1200" b="1" dirty="0"/>
+          </a:p>
+          <a:p>
+            <a:endParaRPr lang="en-US" altLang="ko-KR" sz="1400" b="1" dirty="0"/>
+          </a:p>
+          <a:p>
+            <a:endParaRPr lang="en-US" altLang="ko-KR" sz="1400" b="1" dirty="0"/>
+          </a:p>
+          <a:p>
+            <a:endParaRPr lang="en-US" altLang="ko-KR" sz="1400" b="1" dirty="0"/>
+          </a:p>
+          <a:p>
+            <a:endParaRPr lang="en-US" altLang="ko-KR" sz="1400" b="1" dirty="0"/>
+          </a:p>
+          <a:p>
+            <a:pPr marL="285750" indent="-285750">
+              <a:buFontTx/>
+              <a:buChar char="-"/>
+            </a:pPr>
+            <a:r>
+              <a:rPr lang="en-US" altLang="ko-KR" b="1" dirty="0"/>
+              <a:t>Stacking</a:t>
+            </a:r>
+            <a:r>
+              <a:rPr lang="ko-KR" altLang="en-US" b="1" dirty="0"/>
+              <a:t>은 앙상블 학습에서 개별 예측기의 예측 결과를 단순히 취합하는 것이 아니라</a:t>
+            </a:r>
+            <a:r>
+              <a:rPr lang="en-US" altLang="ko-KR" b="1" dirty="0"/>
+              <a:t>, </a:t>
+            </a:r>
+            <a:r>
+              <a:rPr lang="ko-KR" altLang="en-US" b="1" dirty="0"/>
+              <a:t>이를 특성으로 이용하여 예측 결과를 취합하는 모델을 학습시킨다</a:t>
+            </a:r>
+            <a:r>
+              <a:rPr lang="en-US" altLang="ko-KR" b="1" dirty="0"/>
+              <a:t>.</a:t>
+            </a:r>
+          </a:p>
+          <a:p>
+            <a:pPr marL="285750" indent="-285750">
+              <a:buFontTx/>
+              <a:buChar char="-"/>
+            </a:pPr>
+            <a:endParaRPr lang="en-US" altLang="ko-KR" b="1" dirty="0"/>
+          </a:p>
+          <a:p>
+            <a:pPr marL="285750" indent="-285750">
+              <a:buFontTx/>
+              <a:buChar char="-"/>
+            </a:pPr>
+            <a:r>
+              <a:rPr lang="ko-KR" altLang="en-US" b="1" dirty="0"/>
+              <a:t>예측 결과를 취합하는 모델을 </a:t>
+            </a:r>
+            <a:r>
+              <a:rPr lang="ko-KR" altLang="en-US" b="1" dirty="0" err="1"/>
+              <a:t>블렌더</a:t>
+            </a:r>
+            <a:r>
+              <a:rPr lang="ko-KR" altLang="en-US" b="1" dirty="0"/>
+              <a:t> 또는 메타 학습기라고 한다</a:t>
+            </a:r>
+            <a:r>
+              <a:rPr lang="en-US" altLang="ko-KR" b="1" dirty="0"/>
+              <a:t>.</a:t>
+            </a:r>
+          </a:p>
+          <a:p>
+            <a:pPr marL="285750" indent="-285750">
+              <a:buFontTx/>
+              <a:buChar char="-"/>
+            </a:pPr>
+            <a:endParaRPr lang="en-US" altLang="ko-KR" b="1" dirty="0"/>
+          </a:p>
+          <a:p>
+            <a:pPr marL="285750" indent="-285750">
+              <a:buFontTx/>
+              <a:buChar char="-"/>
+            </a:pPr>
+            <a:endParaRPr lang="en-US" altLang="ko-KR" b="1" dirty="0"/>
+          </a:p>
+        </p:txBody>
+      </p:sp>
+      <p:grpSp>
+        <p:nvGrpSpPr>
+          <p:cNvPr id="10" name="그룹 9">
+            <a:extLst>
+              <a:ext uri="{FF2B5EF4-FFF2-40B4-BE49-F238E27FC236}">
+                <a16:creationId xmlns:a16="http://schemas.microsoft.com/office/drawing/2014/main" id="{7E36FF92-2784-4D53-9A7B-79C8393E6A41}"/>
+              </a:ext>
+            </a:extLst>
+          </p:cNvPr>
+          <p:cNvGrpSpPr/>
+          <p:nvPr/>
+        </p:nvGrpSpPr>
+        <p:grpSpPr>
+          <a:xfrm>
+            <a:off x="3347864" y="1556792"/>
+            <a:ext cx="2749749" cy="3023400"/>
+            <a:chOff x="3347864" y="1556792"/>
+            <a:chExt cx="2749749" cy="3023400"/>
+          </a:xfrm>
+        </p:grpSpPr>
+        <p:pic>
+          <p:nvPicPr>
+            <p:cNvPr id="6" name="그림 5">
+              <a:extLst>
+                <a:ext uri="{FF2B5EF4-FFF2-40B4-BE49-F238E27FC236}">
+                  <a16:creationId xmlns:a16="http://schemas.microsoft.com/office/drawing/2014/main" id="{7DBFB760-1345-421A-AC30-D2B8240D08E0}"/>
+                </a:ext>
+              </a:extLst>
+            </p:cNvPr>
+            <p:cNvPicPr>
+              <a:picLocks noChangeAspect="1"/>
+            </p:cNvPicPr>
+            <p:nvPr/>
+          </p:nvPicPr>
+          <p:blipFill>
+            <a:blip r:embed="rId3"/>
+            <a:stretch>
+              <a:fillRect/>
+            </a:stretch>
+          </p:blipFill>
+          <p:spPr>
+            <a:xfrm>
+              <a:off x="3347864" y="1556792"/>
+              <a:ext cx="2749749" cy="2622632"/>
+            </a:xfrm>
+            <a:prstGeom prst="rect">
+              <a:avLst/>
+            </a:prstGeom>
+          </p:spPr>
+        </p:pic>
+        <p:sp>
+          <p:nvSpPr>
+            <p:cNvPr id="14" name="TextBox 13">
+              <a:extLst>
+                <a:ext uri="{FF2B5EF4-FFF2-40B4-BE49-F238E27FC236}">
+                  <a16:creationId xmlns:a16="http://schemas.microsoft.com/office/drawing/2014/main" id="{55595D8C-A8FC-4888-9AA9-52B373BF9E16}"/>
+                </a:ext>
+              </a:extLst>
+            </p:cNvPr>
+            <p:cNvSpPr txBox="1"/>
+            <p:nvPr/>
+          </p:nvSpPr>
+          <p:spPr>
+            <a:xfrm>
+              <a:off x="3682711" y="4303193"/>
+              <a:ext cx="1778577" cy="276999"/>
+            </a:xfrm>
+            <a:prstGeom prst="rect">
+              <a:avLst/>
+            </a:prstGeom>
+            <a:noFill/>
+          </p:spPr>
+          <p:txBody>
+            <a:bodyPr wrap="square" rtlCol="0">
+              <a:spAutoFit/>
+            </a:bodyPr>
+            <a:lstStyle/>
+            <a:p>
+              <a:pPr algn="ctr"/>
+              <a:r>
+                <a:rPr lang="ko-KR" altLang="en-US" sz="1200" b="1" dirty="0" err="1"/>
+                <a:t>스태킹</a:t>
+              </a:r>
+              <a:r>
+                <a:rPr lang="ko-KR" altLang="en-US" sz="1200" b="1" dirty="0"/>
+                <a:t> 모델</a:t>
+              </a:r>
+            </a:p>
+          </p:txBody>
+        </p:sp>
+      </p:grpSp>
+    </p:spTree>
+    <p:extLst>
+      <p:ext uri="{BB962C8B-B14F-4D97-AF65-F5344CB8AC3E}">
+        <p14:creationId xmlns:p14="http://schemas.microsoft.com/office/powerpoint/2010/main" val="3570572135"/>
+      </p:ext>
+    </p:extLst>
+  </p:cSld>
+  <p:clrMapOvr>
+    <a:masterClrMapping/>
+  </p:clrMapOvr>
+</p:sld>
+</file>
+
+<file path=ppt/slides/slide17.xml><?xml version="1.0" encoding="utf-8"?>
+<p:sld xmlns:a="http://schemas.openxmlformats.org/drawingml/2006/main" xmlns:r="http://schemas.openxmlformats.org/officeDocument/2006/relationships" xmlns:p="http://schemas.openxmlformats.org/presentationml/2006/main">
+  <p:cSld>
+    <p:bg>
+      <p:bgPr>
+        <a:solidFill>
+          <a:schemeClr val="tx2">
+            <a:lumMod val="75000"/>
+          </a:schemeClr>
+        </a:solidFill>
+        <a:effectLst/>
+      </p:bgPr>
+    </p:bg>
+    <p:spTree>
+      <p:nvGrpSpPr>
+        <p:cNvPr id="1" name=""/>
+        <p:cNvGrpSpPr/>
+        <p:nvPr/>
+      </p:nvGrpSpPr>
+      <p:grpSpPr>
+        <a:xfrm>
+          <a:off x="0" y="0"/>
+          <a:ext cx="0" cy="0"/>
+          <a:chOff x="0" y="0"/>
+          <a:chExt cx="0" cy="0"/>
+        </a:xfrm>
+      </p:grpSpPr>
+      <p:sp>
+        <p:nvSpPr>
+          <p:cNvPr id="2" name="직사각형 1"/>
+          <p:cNvSpPr/>
+          <p:nvPr/>
+        </p:nvSpPr>
+        <p:spPr>
+          <a:xfrm>
+            <a:off x="251520" y="620688"/>
+            <a:ext cx="8640960" cy="5976664"/>
+          </a:xfrm>
+          <a:prstGeom prst="rect">
+            <a:avLst/>
+          </a:prstGeom>
+          <a:solidFill>
+            <a:schemeClr val="bg1"/>
+          </a:solidFill>
+          <a:ln>
+            <a:noFill/>
+          </a:ln>
+        </p:spPr>
+        <p:style>
+          <a:lnRef idx="2">
+            <a:schemeClr val="accent1">
+              <a:shade val="50000"/>
+            </a:schemeClr>
+          </a:lnRef>
+          <a:fillRef idx="1">
+            <a:schemeClr val="accent1"/>
+          </a:fillRef>
+          <a:effectRef idx="0">
+            <a:schemeClr val="accent1"/>
+          </a:effectRef>
+          <a:fontRef idx="minor">
+            <a:schemeClr val="lt1"/>
+          </a:fontRef>
+        </p:style>
+        <p:txBody>
+          <a:bodyPr rtlCol="0" anchor="ctr"/>
+          <a:lstStyle/>
+          <a:p>
+            <a:pPr algn="ctr"/>
+            <a:endParaRPr lang="ko-KR" altLang="en-US"/>
+          </a:p>
+        </p:txBody>
+      </p:sp>
+      <p:sp>
+        <p:nvSpPr>
+          <p:cNvPr id="3" name="타원 2"/>
+          <p:cNvSpPr/>
+          <p:nvPr/>
+        </p:nvSpPr>
+        <p:spPr>
+          <a:xfrm>
+            <a:off x="4067944" y="74100"/>
+            <a:ext cx="936104" cy="936104"/>
+          </a:xfrm>
+          <a:prstGeom prst="ellipse">
+            <a:avLst/>
+          </a:prstGeom>
+          <a:solidFill>
+            <a:schemeClr val="tx2">
+              <a:lumMod val="75000"/>
+            </a:schemeClr>
+          </a:solidFill>
+          <a:ln>
+            <a:noFill/>
+          </a:ln>
+        </p:spPr>
+        <p:style>
+          <a:lnRef idx="2">
+            <a:schemeClr val="accent1">
+              <a:shade val="50000"/>
+            </a:schemeClr>
+          </a:lnRef>
+          <a:fillRef idx="1">
+            <a:schemeClr val="accent1"/>
+          </a:fillRef>
+          <a:effectRef idx="0">
+            <a:schemeClr val="accent1"/>
+          </a:effectRef>
+          <a:fontRef idx="minor">
+            <a:schemeClr val="lt1"/>
+          </a:fontRef>
+        </p:style>
+        <p:txBody>
+          <a:bodyPr rtlCol="0" anchor="ctr"/>
+          <a:lstStyle/>
+          <a:p>
+            <a:pPr algn="ctr"/>
+            <a:endParaRPr lang="ko-KR" altLang="en-US"/>
+          </a:p>
+        </p:txBody>
+      </p:sp>
+      <p:sp>
+        <p:nvSpPr>
+          <p:cNvPr id="8" name="직사각형 7"/>
+          <p:cNvSpPr/>
+          <p:nvPr/>
+        </p:nvSpPr>
+        <p:spPr>
+          <a:xfrm>
+            <a:off x="248123" y="141014"/>
+            <a:ext cx="1309269" cy="400110"/>
+          </a:xfrm>
+          <a:prstGeom prst="rect">
+            <a:avLst/>
+          </a:prstGeom>
+        </p:spPr>
+        <p:txBody>
+          <a:bodyPr wrap="none">
+            <a:spAutoFit/>
+          </a:bodyPr>
+          <a:lstStyle/>
+          <a:p>
+            <a:pPr algn="ctr"/>
+            <a:r>
+              <a:rPr lang="en-US" altLang="ko-KR" sz="2000" b="1" spc="-150" dirty="0">
+                <a:solidFill>
+                  <a:schemeClr val="bg1"/>
+                </a:solidFill>
+              </a:rPr>
+              <a:t>6. Stacking</a:t>
+            </a:r>
+            <a:endParaRPr lang="ko-KR" altLang="en-US" sz="2000" b="1" spc="-150" dirty="0">
+              <a:solidFill>
+                <a:schemeClr val="bg1"/>
+              </a:solidFill>
+            </a:endParaRPr>
+          </a:p>
+        </p:txBody>
+      </p:sp>
+      <p:sp>
+        <p:nvSpPr>
+          <p:cNvPr id="9" name="TextBox 8"/>
+          <p:cNvSpPr txBox="1"/>
+          <p:nvPr/>
+        </p:nvSpPr>
+        <p:spPr>
+          <a:xfrm>
+            <a:off x="3995936" y="479095"/>
+            <a:ext cx="1080120" cy="461665"/>
+          </a:xfrm>
+          <a:prstGeom prst="rect">
+            <a:avLst/>
+          </a:prstGeom>
+          <a:noFill/>
+        </p:spPr>
+        <p:txBody>
+          <a:bodyPr wrap="square" rtlCol="0">
+            <a:spAutoFit/>
+          </a:bodyPr>
+          <a:lstStyle/>
+          <a:p>
+            <a:pPr algn="ctr"/>
+            <a:r>
+              <a:rPr lang="en-US" altLang="ko-KR" sz="2400" dirty="0">
+                <a:solidFill>
+                  <a:schemeClr val="bg1"/>
+                </a:solidFill>
+                <a:latin typeface="HY헤드라인M" pitchFamily="18" charset="-127"/>
+                <a:ea typeface="HY헤드라인M" pitchFamily="18" charset="-127"/>
+              </a:rPr>
+              <a:t>06</a:t>
+            </a:r>
+            <a:endParaRPr lang="ko-KR" altLang="en-US" sz="2400" dirty="0">
+              <a:solidFill>
+                <a:schemeClr val="bg1"/>
+              </a:solidFill>
+              <a:latin typeface="HY헤드라인M" pitchFamily="18" charset="-127"/>
+              <a:ea typeface="HY헤드라인M" pitchFamily="18" charset="-127"/>
+            </a:endParaRPr>
+          </a:p>
+        </p:txBody>
+      </p:sp>
+      <p:sp>
+        <p:nvSpPr>
+          <p:cNvPr id="12" name="TextBox 11"/>
+          <p:cNvSpPr txBox="1"/>
+          <p:nvPr/>
+        </p:nvSpPr>
+        <p:spPr>
+          <a:xfrm>
+            <a:off x="5364088" y="271681"/>
+            <a:ext cx="3600400" cy="276999"/>
+          </a:xfrm>
+          <a:prstGeom prst="rect">
+            <a:avLst/>
+          </a:prstGeom>
+          <a:noFill/>
+        </p:spPr>
+        <p:txBody>
+          <a:bodyPr wrap="square" rtlCol="0">
+            <a:spAutoFit/>
+          </a:bodyPr>
+          <a:lstStyle/>
+          <a:p>
+            <a:pPr algn="dist"/>
+            <a:r>
+              <a:rPr lang="en-US" altLang="ko-KR" sz="1200" b="1" dirty="0">
+                <a:solidFill>
+                  <a:schemeClr val="bg1"/>
+                </a:solidFill>
+              </a:rPr>
+              <a:t>ML </a:t>
+            </a:r>
+            <a:r>
+              <a:rPr lang="ko-KR" altLang="en-US" sz="1200" b="1" dirty="0">
+                <a:solidFill>
+                  <a:schemeClr val="bg1"/>
+                </a:solidFill>
+              </a:rPr>
+              <a:t> </a:t>
+            </a:r>
+            <a:r>
+              <a:rPr lang="en-US" altLang="ko-KR" sz="1200" b="1" dirty="0">
+                <a:solidFill>
+                  <a:schemeClr val="bg1"/>
+                </a:solidFill>
+              </a:rPr>
+              <a:t>Ensemble Learning</a:t>
+            </a:r>
+            <a:endParaRPr lang="ko-KR" altLang="en-US" sz="1200" b="1" dirty="0">
+              <a:solidFill>
+                <a:schemeClr val="bg1"/>
+              </a:solidFill>
+            </a:endParaRPr>
+          </a:p>
+        </p:txBody>
+      </p:sp>
+      <p:sp>
+        <p:nvSpPr>
+          <p:cNvPr id="4" name="TextBox 3">
+            <a:extLst>
+              <a:ext uri="{FF2B5EF4-FFF2-40B4-BE49-F238E27FC236}">
+                <a16:creationId xmlns:a16="http://schemas.microsoft.com/office/drawing/2014/main" id="{FAE05800-41DD-415A-8EF6-9E894C804E92}"/>
+              </a:ext>
+            </a:extLst>
+          </p:cNvPr>
+          <p:cNvSpPr txBox="1"/>
+          <p:nvPr/>
+        </p:nvSpPr>
+        <p:spPr>
+          <a:xfrm>
+            <a:off x="539552" y="1075206"/>
+            <a:ext cx="7992888" cy="5324535"/>
+          </a:xfrm>
+          <a:prstGeom prst="rect">
+            <a:avLst/>
+          </a:prstGeom>
+          <a:noFill/>
+        </p:spPr>
+        <p:txBody>
+          <a:bodyPr wrap="square" rtlCol="0">
+            <a:spAutoFit/>
+          </a:bodyPr>
+          <a:lstStyle/>
+          <a:p>
+            <a:r>
+              <a:rPr lang="en-US" altLang="ko-KR" sz="2400" b="1" dirty="0"/>
+              <a:t>Stacking(2)</a:t>
+            </a:r>
+            <a:endParaRPr lang="en-US" altLang="ko-KR" sz="1200" b="1" dirty="0"/>
+          </a:p>
+          <a:p>
+            <a:endParaRPr lang="en-US" altLang="ko-KR" sz="1400" b="1" dirty="0"/>
+          </a:p>
+          <a:p>
+            <a:endParaRPr lang="en-US" altLang="ko-KR" sz="1400" b="1" dirty="0"/>
+          </a:p>
+          <a:p>
+            <a:pPr marL="285750" indent="-285750">
+              <a:buFontTx/>
+              <a:buChar char="-"/>
+            </a:pPr>
+            <a:r>
+              <a:rPr lang="ko-KR" altLang="en-US" b="1" dirty="0" err="1"/>
+              <a:t>블렌더를</a:t>
+            </a:r>
+            <a:r>
+              <a:rPr lang="ko-KR" altLang="en-US" b="1" dirty="0"/>
+              <a:t> 학습시키기 위해서 홀드</a:t>
+            </a:r>
+            <a:r>
+              <a:rPr lang="en-US" altLang="ko-KR" b="1" dirty="0"/>
+              <a:t>-</a:t>
+            </a:r>
+            <a:r>
+              <a:rPr lang="ko-KR" altLang="en-US" b="1" dirty="0"/>
+              <a:t>아웃 세트를 사용한다</a:t>
+            </a:r>
+            <a:r>
+              <a:rPr lang="en-US" altLang="ko-KR" b="1" dirty="0"/>
+              <a:t>.</a:t>
+            </a:r>
+          </a:p>
+          <a:p>
+            <a:pPr marL="285750" indent="-285750">
+              <a:buFontTx/>
+              <a:buChar char="-"/>
+            </a:pPr>
+            <a:endParaRPr lang="en-US" altLang="ko-KR" b="1" dirty="0"/>
+          </a:p>
+          <a:p>
+            <a:pPr marL="285750" indent="-285750">
+              <a:buFontTx/>
+              <a:buChar char="-"/>
+            </a:pPr>
+            <a:r>
+              <a:rPr lang="ko-KR" altLang="en-US" b="1" dirty="0"/>
+              <a:t>예측 결과를 취합하는 모델을 </a:t>
+            </a:r>
+            <a:r>
+              <a:rPr lang="ko-KR" altLang="en-US" b="1" dirty="0" err="1"/>
+              <a:t>블렌더</a:t>
+            </a:r>
+            <a:r>
+              <a:rPr lang="ko-KR" altLang="en-US" b="1" dirty="0"/>
+              <a:t> 또는 메타 학습기라고 한다</a:t>
+            </a:r>
+            <a:r>
+              <a:rPr lang="en-US" altLang="ko-KR" b="1" dirty="0"/>
+              <a:t>.</a:t>
+            </a:r>
+          </a:p>
+          <a:p>
+            <a:pPr marL="285750" indent="-285750">
+              <a:buFontTx/>
+              <a:buChar char="-"/>
+            </a:pPr>
+            <a:endParaRPr lang="en-US" altLang="ko-KR" b="1" dirty="0"/>
+          </a:p>
+          <a:p>
+            <a:pPr marL="285750" indent="-285750">
+              <a:buFontTx/>
+              <a:buChar char="-"/>
+            </a:pPr>
+            <a:r>
+              <a:rPr lang="ko-KR" altLang="en-US" b="1" dirty="0" err="1"/>
+              <a:t>스태킹</a:t>
+            </a:r>
+            <a:r>
+              <a:rPr lang="ko-KR" altLang="en-US" b="1" dirty="0"/>
+              <a:t> 모델의 레이어의 수가 </a:t>
+            </a:r>
+            <a:r>
+              <a:rPr lang="en-US" altLang="ko-KR" b="1" dirty="0"/>
+              <a:t>N</a:t>
+            </a:r>
+            <a:r>
+              <a:rPr lang="ko-KR" altLang="en-US" b="1" dirty="0"/>
+              <a:t>개일 때에 훈련 세트를 </a:t>
+            </a:r>
+            <a:r>
+              <a:rPr lang="en-US" altLang="ko-KR" b="1" dirty="0"/>
+              <a:t>N+1 </a:t>
+            </a:r>
+            <a:r>
+              <a:rPr lang="ko-KR" altLang="en-US" b="1" dirty="0"/>
+              <a:t>개로 나누고 하나의 서브셋을 이용해 각 레이어를 학습시킨다</a:t>
+            </a:r>
+            <a:r>
+              <a:rPr lang="en-US" altLang="ko-KR" b="1" dirty="0"/>
+              <a:t>. </a:t>
+            </a:r>
+          </a:p>
+          <a:p>
+            <a:pPr marL="285750" indent="-285750">
+              <a:buFontTx/>
+              <a:buChar char="-"/>
+            </a:pPr>
+            <a:endParaRPr lang="en-US" altLang="ko-KR" b="1" dirty="0"/>
+          </a:p>
+          <a:p>
+            <a:pPr marL="285750" indent="-285750">
+              <a:buFontTx/>
+              <a:buChar char="-"/>
+            </a:pPr>
+            <a:r>
+              <a:rPr lang="ko-KR" altLang="en-US" b="1" dirty="0"/>
+              <a:t>학습에 사용하지 않은 서브셋을 이용해 예측을 구하고 그 예측을 입력 특성으로 다음 레이어를 학습시키면 독립된 데이터 셋을 사용하는 효과를 얻는다</a:t>
+            </a:r>
+            <a:r>
+              <a:rPr lang="en-US" altLang="ko-KR" b="1" dirty="0"/>
+              <a:t>.</a:t>
+            </a:r>
+          </a:p>
+          <a:p>
+            <a:pPr marL="285750" indent="-285750">
+              <a:buFontTx/>
+              <a:buChar char="-"/>
+            </a:pPr>
+            <a:endParaRPr lang="en-US" altLang="ko-KR" b="1" dirty="0"/>
+          </a:p>
+          <a:p>
+            <a:pPr marL="285750" indent="-285750">
+              <a:buFontTx/>
+              <a:buChar char="-"/>
+            </a:pPr>
+            <a:r>
+              <a:rPr lang="ko-KR" altLang="en-US" b="1" dirty="0"/>
+              <a:t>각 레이어와 </a:t>
+            </a:r>
+            <a:r>
+              <a:rPr lang="ko-KR" altLang="en-US" b="1" dirty="0" err="1"/>
+              <a:t>블렌더의</a:t>
+            </a:r>
+            <a:r>
+              <a:rPr lang="ko-KR" altLang="en-US" b="1" dirty="0"/>
+              <a:t> 입력 특성의 차원은 하나의 레이어를 이루는 예측기의 수와 같다</a:t>
+            </a:r>
+            <a:r>
+              <a:rPr lang="en-US" altLang="ko-KR" b="1" dirty="0"/>
+              <a:t>.</a:t>
+            </a:r>
+          </a:p>
+          <a:p>
+            <a:pPr marL="285750" indent="-285750">
+              <a:buFontTx/>
+              <a:buChar char="-"/>
+            </a:pPr>
+            <a:endParaRPr lang="en-US" altLang="ko-KR" b="1" dirty="0"/>
+          </a:p>
+          <a:p>
+            <a:pPr marL="285750" indent="-285750">
+              <a:buFontTx/>
+              <a:buChar char="-"/>
+            </a:pPr>
+            <a:r>
+              <a:rPr lang="ko-KR" altLang="en-US" b="1" dirty="0"/>
+              <a:t>예측을 위해</a:t>
+            </a:r>
+            <a:r>
+              <a:rPr lang="en-US" altLang="ko-KR" b="1" dirty="0"/>
+              <a:t>,</a:t>
+            </a:r>
+            <a:r>
+              <a:rPr lang="ko-KR" altLang="en-US" b="1" dirty="0"/>
+              <a:t> 샘플을 첫 번째 레이어의 입력 특성으로 사용하면</a:t>
+            </a:r>
+            <a:r>
+              <a:rPr lang="en-US" altLang="ko-KR" b="1" dirty="0"/>
+              <a:t> </a:t>
+            </a:r>
+            <a:r>
+              <a:rPr lang="ko-KR" altLang="en-US" b="1" dirty="0"/>
+              <a:t>각 레이어를 지나면서 </a:t>
+            </a:r>
+            <a:r>
+              <a:rPr lang="ko-KR" altLang="en-US" b="1" dirty="0" err="1"/>
+              <a:t>블렌더가</a:t>
+            </a:r>
+            <a:r>
+              <a:rPr lang="ko-KR" altLang="en-US" b="1" dirty="0"/>
+              <a:t> 최종 예측을 하게 된다</a:t>
+            </a:r>
+            <a:r>
+              <a:rPr lang="en-US" altLang="ko-KR" b="1" dirty="0"/>
+              <a:t>.</a:t>
+            </a:r>
+          </a:p>
+        </p:txBody>
+      </p:sp>
+    </p:spTree>
+    <p:extLst>
+      <p:ext uri="{BB962C8B-B14F-4D97-AF65-F5344CB8AC3E}">
+        <p14:creationId xmlns:p14="http://schemas.microsoft.com/office/powerpoint/2010/main" val="3096493499"/>
+      </p:ext>
+    </p:extLst>
+  </p:cSld>
+  <p:clrMapOvr>
+    <a:masterClrMapping/>
+  </p:clrMapOvr>
+</p:sld>
+</file>
+
+<file path=ppt/slides/slide18.xml><?xml version="1.0" encoding="utf-8"?>
+<p:sld xmlns:a="http://schemas.openxmlformats.org/drawingml/2006/main" xmlns:r="http://schemas.openxmlformats.org/officeDocument/2006/relationships" xmlns:p="http://schemas.openxmlformats.org/presentationml/2006/main">
+  <p:cSld>
+    <p:bg>
+      <p:bgPr>
+        <a:solidFill>
+          <a:schemeClr val="tx2">
+            <a:lumMod val="75000"/>
+          </a:schemeClr>
+        </a:solidFill>
+        <a:effectLst/>
+      </p:bgPr>
+    </p:bg>
+    <p:spTree>
+      <p:nvGrpSpPr>
+        <p:cNvPr id="1" name=""/>
+        <p:cNvGrpSpPr/>
+        <p:nvPr/>
+      </p:nvGrpSpPr>
+      <p:grpSpPr>
+        <a:xfrm>
+          <a:off x="0" y="0"/>
+          <a:ext cx="0" cy="0"/>
+          <a:chOff x="0" y="0"/>
+          <a:chExt cx="0" cy="0"/>
+        </a:xfrm>
+      </p:grpSpPr>
+      <p:sp>
+        <p:nvSpPr>
+          <p:cNvPr id="2" name="직사각형 1"/>
+          <p:cNvSpPr/>
+          <p:nvPr/>
+        </p:nvSpPr>
+        <p:spPr>
+          <a:xfrm>
             <a:off x="251520" y="3068960"/>
             <a:ext cx="8640960" cy="3528392"/>
           </a:xfrm>
@@ -6473,7 +11285,15 @@
             </a:pPr>
             <a:r>
               <a:rPr lang="ko-KR" altLang="en-US" b="1" dirty="0"/>
-              <a:t>앙상블 학습을 이용하면 여러 개의 약한 모델을 조합하여 하나의 강한 모델 보다 좋은 성능을 보일 수 있다</a:t>
+              <a:t>앙상블 학습을 이용하면 여러 개의 약한 예측기를 조합하여 하나의 강한 </a:t>
+            </a:r>
+            <a:r>
+              <a:rPr lang="ko-KR" altLang="en-US" b="1" dirty="0" err="1"/>
+              <a:t>예측기</a:t>
+            </a:r>
+            <a:r>
+              <a:rPr lang="ko-KR" altLang="en-US" b="1" dirty="0"/>
+              <a:t> 보다 좋은 성능을 보일 수 있다</a:t>
             </a:r>
             <a:r>
               <a:rPr lang="en-US" altLang="ko-KR" b="1" dirty="0"/>
@@ -7987,36 +12807,110 @@
           </a:p>
         </p:txBody>
       </p:sp>
-      <p:pic>
-        <p:nvPicPr>
-          <p:cNvPr id="6" name="그림 5">
+      <p:grpSp>
+        <p:nvGrpSpPr>
+          <p:cNvPr id="5" name="그룹 4">
             <a:extLst>
               <a:ext uri="{FF2B5EF4-FFF2-40B4-BE49-F238E27FC236}">
-                <a16:creationId xmlns:a16="http://schemas.microsoft.com/office/drawing/2014/main" id="{8B1F7103-30D9-47CF-AE30-50689E30E66E}"/>
+                <a16:creationId xmlns:a16="http://schemas.microsoft.com/office/drawing/2014/main" id="{C9D9D59D-AE03-4CFC-BAF1-CBCC58213FDB}"/>
               </a:ext>
             </a:extLst>
           </p:cNvPr>
-          <p:cNvPicPr>
-            <a:picLocks noChangeAspect="1"/>
-          </p:cNvPicPr>
+          <p:cNvGrpSpPr/>
           <p:nvPr/>
-        </p:nvPicPr>
-        <p:blipFill>
-          <a:blip r:embed="rId3"/>
-          <a:stretch>
-            <a:fillRect/>
-          </a:stretch>
-        </p:blipFill>
-        <p:spPr>
+        </p:nvGrpSpPr>
+        <p:grpSpPr>
           <a:xfrm>
-            <a:off x="2525703" y="1700808"/>
-            <a:ext cx="4073138" cy="2322860"/>
+            <a:off x="2710846" y="1806393"/>
+            <a:ext cx="3702853" cy="2475670"/>
+            <a:chOff x="2710846" y="1806393"/>
+            <a:chExt cx="3702853" cy="2475670"/>
           </a:xfrm>
-          <a:prstGeom prst="rect">
-            <a:avLst/>
-          </a:prstGeom>
-        </p:spPr>
-      </p:pic>
+        </p:grpSpPr>
+        <p:pic>
+          <p:nvPicPr>
+            <p:cNvPr id="6" name="그림 5">
+              <a:extLst>
+                <a:ext uri="{FF2B5EF4-FFF2-40B4-BE49-F238E27FC236}">
+                  <a16:creationId xmlns:a16="http://schemas.microsoft.com/office/drawing/2014/main" id="{8B1F7103-30D9-47CF-AE30-50689E30E66E}"/>
+                </a:ext>
+              </a:extLst>
+            </p:cNvPr>
+            <p:cNvPicPr>
+              <a:picLocks noChangeAspect="1"/>
+            </p:cNvPicPr>
+            <p:nvPr/>
+          </p:nvPicPr>
+          <p:blipFill>
+            <a:blip r:embed="rId3"/>
+            <a:stretch>
+              <a:fillRect/>
+            </a:stretch>
+          </p:blipFill>
+          <p:spPr>
+            <a:xfrm>
+              <a:off x="2710846" y="1806393"/>
+              <a:ext cx="3702853" cy="2111691"/>
+            </a:xfrm>
+            <a:prstGeom prst="rect">
+              <a:avLst/>
+            </a:prstGeom>
+          </p:spPr>
+        </p:pic>
+        <p:sp>
+          <p:nvSpPr>
+            <p:cNvPr id="10" name="TextBox 9">
+              <a:extLst>
+                <a:ext uri="{FF2B5EF4-FFF2-40B4-BE49-F238E27FC236}">
+                  <a16:creationId xmlns:a16="http://schemas.microsoft.com/office/drawing/2014/main" id="{B0A5BB95-A059-44C2-9904-05DAF4CBC92A}"/>
+                </a:ext>
+              </a:extLst>
+            </p:cNvPr>
+            <p:cNvSpPr txBox="1"/>
+            <p:nvPr/>
+          </p:nvSpPr>
+          <p:spPr>
+            <a:xfrm>
+              <a:off x="3563888" y="4005064"/>
+              <a:ext cx="2152078" cy="276999"/>
+            </a:xfrm>
+            <a:prstGeom prst="rect">
+              <a:avLst/>
+            </a:prstGeom>
+            <a:noFill/>
+          </p:spPr>
+          <p:txBody>
+            <a:bodyPr wrap="square" rtlCol="0">
+              <a:spAutoFit/>
+            </a:bodyPr>
+            <a:lstStyle/>
+            <a:p>
+              <a:pPr algn="ctr"/>
+              <a:r>
+                <a:rPr lang="en-US" altLang="ko-KR" sz="1200" b="1" dirty="0"/>
+                <a:t>Bagging</a:t>
+              </a:r>
+              <a:r>
+                <a:rPr lang="ko-KR" altLang="en-US" sz="1200" b="1" dirty="0"/>
+                <a:t> </a:t>
+              </a:r>
+              <a:r>
+                <a:rPr lang="en-US" altLang="ko-KR" sz="1200" b="1" dirty="0"/>
+                <a:t>&amp;</a:t>
+              </a:r>
+              <a:r>
+                <a:rPr lang="ko-KR" altLang="en-US" sz="1200" b="1" dirty="0"/>
+                <a:t> </a:t>
+              </a:r>
+              <a:r>
+                <a:rPr lang="en-US" altLang="ko-KR" sz="1200" b="1" dirty="0"/>
+                <a:t>Pasting</a:t>
+              </a:r>
+              <a:endParaRPr lang="ko-KR" altLang="en-US" sz="1200" b="1" dirty="0"/>
+            </a:p>
+          </p:txBody>
+        </p:sp>
+      </p:grpSp>
     </p:spTree>
     <p:extLst>
       <p:ext uri="{BB962C8B-B14F-4D97-AF65-F5344CB8AC3E}">
